--- a/2023/7月/06-07-2023.pptx
+++ b/2023/7月/06-07-2023.pptx
@@ -321,7 +321,8 @@
           <a:p>
             <a:fld id="{A50DC577-EC72-47D7-BFBE-9E1C428AAA31}" type="datetimeFigureOut">
               <a:rPr lang="en-US" smtClean="0"/>
-              <a:t>7/3/2023</a:t>
+              <a:pPr/>
+              <a:t>7/4/2023</a:t>
             </a:fld>
             <a:endParaRPr lang="en-US"/>
           </a:p>
@@ -363,6 +364,7 @@
           <a:p>
             <a:fld id="{B807028F-E317-401B-94BF-6120919178A2}" type="slidenum">
               <a:rPr lang="en-US" smtClean="0"/>
+              <a:pPr/>
               <a:t>‹#›</a:t>
             </a:fld>
             <a:endParaRPr lang="en-US"/>
@@ -372,7 +374,7 @@
     </p:spTree>
     <p:extLst>
       <p:ext uri="{BB962C8B-B14F-4D97-AF65-F5344CB8AC3E}">
-        <p14:creationId xmlns:p14="http://schemas.microsoft.com/office/powerpoint/2010/main" val="1418087137"/>
+        <p14:creationId xmlns:p14="http://schemas.microsoft.com/office/powerpoint/2010/main" xmlns="" val="1418087137"/>
       </p:ext>
     </p:extLst>
   </p:cSld>
@@ -491,7 +493,8 @@
           <a:p>
             <a:fld id="{A50DC577-EC72-47D7-BFBE-9E1C428AAA31}" type="datetimeFigureOut">
               <a:rPr lang="en-US" smtClean="0"/>
-              <a:t>7/3/2023</a:t>
+              <a:pPr/>
+              <a:t>7/4/2023</a:t>
             </a:fld>
             <a:endParaRPr lang="en-US"/>
           </a:p>
@@ -533,6 +536,7 @@
           <a:p>
             <a:fld id="{B807028F-E317-401B-94BF-6120919178A2}" type="slidenum">
               <a:rPr lang="en-US" smtClean="0"/>
+              <a:pPr/>
               <a:t>‹#›</a:t>
             </a:fld>
             <a:endParaRPr lang="en-US"/>
@@ -542,7 +546,7 @@
     </p:spTree>
     <p:extLst>
       <p:ext uri="{BB962C8B-B14F-4D97-AF65-F5344CB8AC3E}">
-        <p14:creationId xmlns:p14="http://schemas.microsoft.com/office/powerpoint/2010/main" val="3794432134"/>
+        <p14:creationId xmlns:p14="http://schemas.microsoft.com/office/powerpoint/2010/main" xmlns="" val="3794432134"/>
       </p:ext>
     </p:extLst>
   </p:cSld>
@@ -671,7 +675,8 @@
           <a:p>
             <a:fld id="{A50DC577-EC72-47D7-BFBE-9E1C428AAA31}" type="datetimeFigureOut">
               <a:rPr lang="en-US" smtClean="0"/>
-              <a:t>7/3/2023</a:t>
+              <a:pPr/>
+              <a:t>7/4/2023</a:t>
             </a:fld>
             <a:endParaRPr lang="en-US"/>
           </a:p>
@@ -713,6 +718,7 @@
           <a:p>
             <a:fld id="{B807028F-E317-401B-94BF-6120919178A2}" type="slidenum">
               <a:rPr lang="en-US" smtClean="0"/>
+              <a:pPr/>
               <a:t>‹#›</a:t>
             </a:fld>
             <a:endParaRPr lang="en-US"/>
@@ -722,7 +728,7 @@
     </p:spTree>
     <p:extLst>
       <p:ext uri="{BB962C8B-B14F-4D97-AF65-F5344CB8AC3E}">
-        <p14:creationId xmlns:p14="http://schemas.microsoft.com/office/powerpoint/2010/main" val="1255846729"/>
+        <p14:creationId xmlns:p14="http://schemas.microsoft.com/office/powerpoint/2010/main" xmlns="" val="1255846729"/>
       </p:ext>
     </p:extLst>
   </p:cSld>
@@ -841,7 +847,8 @@
           <a:p>
             <a:fld id="{A50DC577-EC72-47D7-BFBE-9E1C428AAA31}" type="datetimeFigureOut">
               <a:rPr lang="en-US" smtClean="0"/>
-              <a:t>7/3/2023</a:t>
+              <a:pPr/>
+              <a:t>7/4/2023</a:t>
             </a:fld>
             <a:endParaRPr lang="en-US"/>
           </a:p>
@@ -883,6 +890,7 @@
           <a:p>
             <a:fld id="{B807028F-E317-401B-94BF-6120919178A2}" type="slidenum">
               <a:rPr lang="en-US" smtClean="0"/>
+              <a:pPr/>
               <a:t>‹#›</a:t>
             </a:fld>
             <a:endParaRPr lang="en-US"/>
@@ -892,7 +900,7 @@
     </p:spTree>
     <p:extLst>
       <p:ext uri="{BB962C8B-B14F-4D97-AF65-F5344CB8AC3E}">
-        <p14:creationId xmlns:p14="http://schemas.microsoft.com/office/powerpoint/2010/main" val="2479425730"/>
+        <p14:creationId xmlns:p14="http://schemas.microsoft.com/office/powerpoint/2010/main" xmlns="" val="2479425730"/>
       </p:ext>
     </p:extLst>
   </p:cSld>
@@ -1087,7 +1095,8 @@
           <a:p>
             <a:fld id="{A50DC577-EC72-47D7-BFBE-9E1C428AAA31}" type="datetimeFigureOut">
               <a:rPr lang="en-US" smtClean="0"/>
-              <a:t>7/3/2023</a:t>
+              <a:pPr/>
+              <a:t>7/4/2023</a:t>
             </a:fld>
             <a:endParaRPr lang="en-US"/>
           </a:p>
@@ -1129,6 +1138,7 @@
           <a:p>
             <a:fld id="{B807028F-E317-401B-94BF-6120919178A2}" type="slidenum">
               <a:rPr lang="en-US" smtClean="0"/>
+              <a:pPr/>
               <a:t>‹#›</a:t>
             </a:fld>
             <a:endParaRPr lang="en-US"/>
@@ -1138,7 +1148,7 @@
     </p:spTree>
     <p:extLst>
       <p:ext uri="{BB962C8B-B14F-4D97-AF65-F5344CB8AC3E}">
-        <p14:creationId xmlns:p14="http://schemas.microsoft.com/office/powerpoint/2010/main" val="3637108789"/>
+        <p14:creationId xmlns:p14="http://schemas.microsoft.com/office/powerpoint/2010/main" xmlns="" val="3637108789"/>
       </p:ext>
     </p:extLst>
   </p:cSld>
@@ -1375,7 +1385,8 @@
           <a:p>
             <a:fld id="{A50DC577-EC72-47D7-BFBE-9E1C428AAA31}" type="datetimeFigureOut">
               <a:rPr lang="en-US" smtClean="0"/>
-              <a:t>7/3/2023</a:t>
+              <a:pPr/>
+              <a:t>7/4/2023</a:t>
             </a:fld>
             <a:endParaRPr lang="en-US"/>
           </a:p>
@@ -1417,6 +1428,7 @@
           <a:p>
             <a:fld id="{B807028F-E317-401B-94BF-6120919178A2}" type="slidenum">
               <a:rPr lang="en-US" smtClean="0"/>
+              <a:pPr/>
               <a:t>‹#›</a:t>
             </a:fld>
             <a:endParaRPr lang="en-US"/>
@@ -1426,7 +1438,7 @@
     </p:spTree>
     <p:extLst>
       <p:ext uri="{BB962C8B-B14F-4D97-AF65-F5344CB8AC3E}">
-        <p14:creationId xmlns:p14="http://schemas.microsoft.com/office/powerpoint/2010/main" val="329404742"/>
+        <p14:creationId xmlns:p14="http://schemas.microsoft.com/office/powerpoint/2010/main" xmlns="" val="329404742"/>
       </p:ext>
     </p:extLst>
   </p:cSld>
@@ -1797,7 +1809,8 @@
           <a:p>
             <a:fld id="{A50DC577-EC72-47D7-BFBE-9E1C428AAA31}" type="datetimeFigureOut">
               <a:rPr lang="en-US" smtClean="0"/>
-              <a:t>7/3/2023</a:t>
+              <a:pPr/>
+              <a:t>7/4/2023</a:t>
             </a:fld>
             <a:endParaRPr lang="en-US"/>
           </a:p>
@@ -1839,6 +1852,7 @@
           <a:p>
             <a:fld id="{B807028F-E317-401B-94BF-6120919178A2}" type="slidenum">
               <a:rPr lang="en-US" smtClean="0"/>
+              <a:pPr/>
               <a:t>‹#›</a:t>
             </a:fld>
             <a:endParaRPr lang="en-US"/>
@@ -1848,7 +1862,7 @@
     </p:spTree>
     <p:extLst>
       <p:ext uri="{BB962C8B-B14F-4D97-AF65-F5344CB8AC3E}">
-        <p14:creationId xmlns:p14="http://schemas.microsoft.com/office/powerpoint/2010/main" val="157846365"/>
+        <p14:creationId xmlns:p14="http://schemas.microsoft.com/office/powerpoint/2010/main" xmlns="" val="157846365"/>
       </p:ext>
     </p:extLst>
   </p:cSld>
@@ -1915,7 +1929,8 @@
           <a:p>
             <a:fld id="{A50DC577-EC72-47D7-BFBE-9E1C428AAA31}" type="datetimeFigureOut">
               <a:rPr lang="en-US" smtClean="0"/>
-              <a:t>7/3/2023</a:t>
+              <a:pPr/>
+              <a:t>7/4/2023</a:t>
             </a:fld>
             <a:endParaRPr lang="en-US"/>
           </a:p>
@@ -1957,6 +1972,7 @@
           <a:p>
             <a:fld id="{B807028F-E317-401B-94BF-6120919178A2}" type="slidenum">
               <a:rPr lang="en-US" smtClean="0"/>
+              <a:pPr/>
               <a:t>‹#›</a:t>
             </a:fld>
             <a:endParaRPr lang="en-US"/>
@@ -1966,7 +1982,7 @@
     </p:spTree>
     <p:extLst>
       <p:ext uri="{BB962C8B-B14F-4D97-AF65-F5344CB8AC3E}">
-        <p14:creationId xmlns:p14="http://schemas.microsoft.com/office/powerpoint/2010/main" val="2793571665"/>
+        <p14:creationId xmlns:p14="http://schemas.microsoft.com/office/powerpoint/2010/main" xmlns="" val="2793571665"/>
       </p:ext>
     </p:extLst>
   </p:cSld>
@@ -2010,7 +2026,8 @@
           <a:p>
             <a:fld id="{A50DC577-EC72-47D7-BFBE-9E1C428AAA31}" type="datetimeFigureOut">
               <a:rPr lang="en-US" smtClean="0"/>
-              <a:t>7/3/2023</a:t>
+              <a:pPr/>
+              <a:t>7/4/2023</a:t>
             </a:fld>
             <a:endParaRPr lang="en-US"/>
           </a:p>
@@ -2052,6 +2069,7 @@
           <a:p>
             <a:fld id="{B807028F-E317-401B-94BF-6120919178A2}" type="slidenum">
               <a:rPr lang="en-US" smtClean="0"/>
+              <a:pPr/>
               <a:t>‹#›</a:t>
             </a:fld>
             <a:endParaRPr lang="en-US"/>
@@ -2061,7 +2079,7 @@
     </p:spTree>
     <p:extLst>
       <p:ext uri="{BB962C8B-B14F-4D97-AF65-F5344CB8AC3E}">
-        <p14:creationId xmlns:p14="http://schemas.microsoft.com/office/powerpoint/2010/main" val="795291486"/>
+        <p14:creationId xmlns:p14="http://schemas.microsoft.com/office/powerpoint/2010/main" xmlns="" val="795291486"/>
       </p:ext>
     </p:extLst>
   </p:cSld>
@@ -2287,7 +2305,8 @@
           <a:p>
             <a:fld id="{A50DC577-EC72-47D7-BFBE-9E1C428AAA31}" type="datetimeFigureOut">
               <a:rPr lang="en-US" smtClean="0"/>
-              <a:t>7/3/2023</a:t>
+              <a:pPr/>
+              <a:t>7/4/2023</a:t>
             </a:fld>
             <a:endParaRPr lang="en-US"/>
           </a:p>
@@ -2329,6 +2348,7 @@
           <a:p>
             <a:fld id="{B807028F-E317-401B-94BF-6120919178A2}" type="slidenum">
               <a:rPr lang="en-US" smtClean="0"/>
+              <a:pPr/>
               <a:t>‹#›</a:t>
             </a:fld>
             <a:endParaRPr lang="en-US"/>
@@ -2338,7 +2358,7 @@
     </p:spTree>
     <p:extLst>
       <p:ext uri="{BB962C8B-B14F-4D97-AF65-F5344CB8AC3E}">
-        <p14:creationId xmlns:p14="http://schemas.microsoft.com/office/powerpoint/2010/main" val="342768511"/>
+        <p14:creationId xmlns:p14="http://schemas.microsoft.com/office/powerpoint/2010/main" xmlns="" val="342768511"/>
       </p:ext>
     </p:extLst>
   </p:cSld>
@@ -2544,7 +2564,8 @@
           <a:p>
             <a:fld id="{A50DC577-EC72-47D7-BFBE-9E1C428AAA31}" type="datetimeFigureOut">
               <a:rPr lang="en-US" smtClean="0"/>
-              <a:t>7/3/2023</a:t>
+              <a:pPr/>
+              <a:t>7/4/2023</a:t>
             </a:fld>
             <a:endParaRPr lang="en-US"/>
           </a:p>
@@ -2586,6 +2607,7 @@
           <a:p>
             <a:fld id="{B807028F-E317-401B-94BF-6120919178A2}" type="slidenum">
               <a:rPr lang="en-US" smtClean="0"/>
+              <a:pPr/>
               <a:t>‹#›</a:t>
             </a:fld>
             <a:endParaRPr lang="en-US"/>
@@ -2595,7 +2617,7 @@
     </p:spTree>
     <p:extLst>
       <p:ext uri="{BB962C8B-B14F-4D97-AF65-F5344CB8AC3E}">
-        <p14:creationId xmlns:p14="http://schemas.microsoft.com/office/powerpoint/2010/main" val="2636912991"/>
+        <p14:creationId xmlns:p14="http://schemas.microsoft.com/office/powerpoint/2010/main" xmlns="" val="2636912991"/>
       </p:ext>
     </p:extLst>
   </p:cSld>
@@ -2762,7 +2784,8 @@
           <a:p>
             <a:fld id="{A50DC577-EC72-47D7-BFBE-9E1C428AAA31}" type="datetimeFigureOut">
               <a:rPr lang="en-US" smtClean="0"/>
-              <a:t>7/3/2023</a:t>
+              <a:pPr/>
+              <a:t>7/4/2023</a:t>
             </a:fld>
             <a:endParaRPr lang="en-US"/>
           </a:p>
@@ -2840,6 +2863,7 @@
           <a:p>
             <a:fld id="{B807028F-E317-401B-94BF-6120919178A2}" type="slidenum">
               <a:rPr lang="en-US" smtClean="0"/>
+              <a:pPr/>
               <a:t>‹#›</a:t>
             </a:fld>
             <a:endParaRPr lang="en-US"/>
@@ -2849,7 +2873,7 @@
     </p:spTree>
     <p:extLst>
       <p:ext uri="{BB962C8B-B14F-4D97-AF65-F5344CB8AC3E}">
-        <p14:creationId xmlns:p14="http://schemas.microsoft.com/office/powerpoint/2010/main" val="1729113083"/>
+        <p14:creationId xmlns:p14="http://schemas.microsoft.com/office/powerpoint/2010/main" xmlns="" val="1729113083"/>
       </p:ext>
     </p:extLst>
   </p:cSld>
@@ -3174,24 +3198,7 @@
                 <a:latin typeface="微軟正黑體" pitchFamily="34" charset="-120"/>
                 <a:ea typeface="微軟正黑體" pitchFamily="34" charset="-120"/>
               </a:rPr>
-              <a:t>全</a:t>
-            </a:r>
-            <a:r>
-              <a:rPr lang="zh-TW" altLang="en-US" sz="7200" b="1" i="1" dirty="0">
-                <a:solidFill>
-                  <a:srgbClr val="660033"/>
-                </a:solidFill>
-                <a:effectLst>
-                  <a:outerShdw blurRad="38100" dist="38100" dir="2700000" algn="tl">
-                    <a:srgbClr val="000000">
-                      <a:alpha val="43137"/>
-                    </a:srgbClr>
-                  </a:outerShdw>
-                </a:effectLst>
-                <a:latin typeface="微軟正黑體" pitchFamily="34" charset="-120"/>
-                <a:ea typeface="微軟正黑體" pitchFamily="34" charset="-120"/>
-              </a:rPr>
-              <a:t>地至高是我主</a:t>
+              <a:t>全地至高是我主</a:t>
             </a:r>
           </a:p>
         </p:txBody>
@@ -3199,13 +3206,20 @@
     </p:spTree>
     <p:extLst>
       <p:ext uri="{BB962C8B-B14F-4D97-AF65-F5344CB8AC3E}">
-        <p14:creationId xmlns:p14="http://schemas.microsoft.com/office/powerpoint/2010/main" val="935599034"/>
+        <p14:creationId xmlns:p14="http://schemas.microsoft.com/office/powerpoint/2010/main" xmlns="" val="935599034"/>
       </p:ext>
     </p:extLst>
   </p:cSld>
   <p:clrMapOvr>
     <a:masterClrMapping/>
   </p:clrMapOvr>
+  <p:timing>
+    <p:tnLst>
+      <p:par>
+        <p:cTn id="1" dur="indefinite" restart="never" nodeType="tmRoot"/>
+      </p:par>
+    </p:tnLst>
+  </p:timing>
 </p:sld>
 </file>
 
@@ -3259,27 +3273,7 @@
                 <a:latin typeface="微軟正黑體" pitchFamily="34" charset="-120"/>
                 <a:ea typeface="微軟正黑體" pitchFamily="34" charset="-120"/>
               </a:rPr>
-              <a:t>慈愛達到穹蒼處  </a:t>
-            </a:r>
-            <a:r>
-              <a:rPr lang="zh-TW" altLang="en-US" sz="6400" b="1" dirty="0">
-                <a:solidFill>
-                  <a:srgbClr val="660033"/>
-                </a:solidFill>
-                <a:latin typeface="微軟正黑體" pitchFamily="34" charset="-120"/>
-                <a:ea typeface="微軟正黑體" pitchFamily="34" charset="-120"/>
-              </a:rPr>
-              <a:t> 恩</a:t>
-            </a:r>
-            <a:r>
-              <a:rPr lang="zh-TW" altLang="en-US" sz="6400" b="1" dirty="0">
-                <a:solidFill>
-                  <a:srgbClr val="660033"/>
-                </a:solidFill>
-                <a:latin typeface="微軟正黑體" pitchFamily="34" charset="-120"/>
-                <a:ea typeface="微軟正黑體" pitchFamily="34" charset="-120"/>
-              </a:rPr>
-              <a:t>慈信實</a:t>
+              <a:t>慈愛達到穹蒼處   恩慈信實</a:t>
             </a:r>
             <a:endParaRPr lang="en-US" altLang="zh-TW" sz="6400" b="1" dirty="0">
               <a:solidFill>
@@ -3357,17 +3351,7 @@
                 <a:latin typeface="Microsoft JhengHei" panose="020B0604030504040204" pitchFamily="34" charset="-120"/>
                 <a:ea typeface="Microsoft JhengHei" panose="020B0604030504040204" pitchFamily="34" charset="-120"/>
               </a:rPr>
-              <a:t> </a:t>
-            </a:r>
-            <a:r>
-              <a:rPr lang="en-US" sz="3733" b="1" dirty="0">
-                <a:solidFill>
-                  <a:srgbClr val="660033"/>
-                </a:solidFill>
-                <a:latin typeface="Microsoft JhengHei" panose="020B0604030504040204" pitchFamily="34" charset="-120"/>
-                <a:ea typeface="Microsoft JhengHei" panose="020B0604030504040204" pitchFamily="34" charset="-120"/>
-              </a:rPr>
-              <a:t>)</a:t>
+              <a:t> )</a:t>
             </a:r>
             <a:endParaRPr lang="vi-VN" sz="3733" b="1" dirty="0">
               <a:solidFill>
@@ -3382,13 +3366,20 @@
     </p:spTree>
     <p:extLst>
       <p:ext uri="{BB962C8B-B14F-4D97-AF65-F5344CB8AC3E}">
-        <p14:creationId xmlns:p14="http://schemas.microsoft.com/office/powerpoint/2010/main" val="2549249665"/>
+        <p14:creationId xmlns:p14="http://schemas.microsoft.com/office/powerpoint/2010/main" xmlns="" val="2549249665"/>
       </p:ext>
     </p:extLst>
   </p:cSld>
   <p:clrMapOvr>
     <a:masterClrMapping/>
   </p:clrMapOvr>
+  <p:timing>
+    <p:tnLst>
+      <p:par>
+        <p:cTn id="1" dur="indefinite" restart="never" nodeType="tmRoot"/>
+      </p:par>
+    </p:tnLst>
+  </p:timing>
 </p:sld>
 </file>
 
@@ -3452,37 +3443,17 @@
                 <a:latin typeface="微軟正黑體" pitchFamily="34" charset="-120"/>
                 <a:ea typeface="微軟正黑體" pitchFamily="34" charset="-120"/>
               </a:rPr>
-              <a:t>  </a:t>
-            </a:r>
-            <a:r>
-              <a:rPr lang="en-US" altLang="zh-TW" sz="6400" b="1" dirty="0">
+              <a:t>   </a:t>
+            </a:r>
+            <a:r>
+              <a:rPr lang="zh-TW" altLang="en-US" sz="6400" b="1" dirty="0">
                 <a:solidFill>
                   <a:srgbClr val="660033"/>
                 </a:solidFill>
                 <a:latin typeface="微軟正黑體" pitchFamily="34" charset="-120"/>
                 <a:ea typeface="微軟正黑體" pitchFamily="34" charset="-120"/>
               </a:rPr>
-              <a:t> </a:t>
-            </a:r>
-            <a:r>
-              <a:rPr lang="zh-TW" altLang="en-US" sz="6400" b="1" dirty="0">
-                <a:solidFill>
-                  <a:srgbClr val="660033"/>
-                </a:solidFill>
-                <a:latin typeface="微軟正黑體" pitchFamily="34" charset="-120"/>
-                <a:ea typeface="微軟正黑體" pitchFamily="34" charset="-120"/>
-              </a:rPr>
-              <a:t>各</a:t>
-            </a:r>
-            <a:r>
-              <a:rPr lang="zh-TW" altLang="en-US" sz="6400" b="1" dirty="0">
-                <a:solidFill>
-                  <a:srgbClr val="660033"/>
-                </a:solidFill>
-                <a:latin typeface="微軟正黑體" pitchFamily="34" charset="-120"/>
-                <a:ea typeface="微軟正黑體" pitchFamily="34" charset="-120"/>
-              </a:rPr>
-              <a:t>邦一致頌揚</a:t>
+              <a:t>各邦一致頌揚</a:t>
             </a:r>
             <a:endParaRPr lang="en-US" altLang="zh-TW" sz="6400" b="1" dirty="0">
               <a:solidFill>
@@ -3504,27 +3475,7 @@
                 <a:latin typeface="微軟正黑體" pitchFamily="34" charset="-120"/>
                 <a:ea typeface="微軟正黑體" pitchFamily="34" charset="-120"/>
               </a:rPr>
-              <a:t>讓這歌盡獻主  </a:t>
-            </a:r>
-            <a:r>
-              <a:rPr lang="zh-TW" altLang="en-US" sz="6400" b="1" dirty="0">
-                <a:solidFill>
-                  <a:srgbClr val="660033"/>
-                </a:solidFill>
-                <a:latin typeface="微軟正黑體" pitchFamily="34" charset="-120"/>
-                <a:ea typeface="微軟正黑體" pitchFamily="34" charset="-120"/>
-              </a:rPr>
-              <a:t> 榮</a:t>
-            </a:r>
-            <a:r>
-              <a:rPr lang="zh-TW" altLang="en-US" sz="6400" b="1" dirty="0">
-                <a:solidFill>
-                  <a:srgbClr val="660033"/>
-                </a:solidFill>
-                <a:latin typeface="微軟正黑體" pitchFamily="34" charset="-120"/>
-                <a:ea typeface="微軟正黑體" pitchFamily="34" charset="-120"/>
-              </a:rPr>
-              <a:t>光高照諸天</a:t>
+              <a:t>讓這歌盡獻主   榮光高照諸天</a:t>
             </a:r>
             <a:endParaRPr lang="en-US" altLang="zh-TW" sz="6400" b="1" dirty="0">
               <a:solidFill>
@@ -3587,17 +3538,7 @@
                 <a:latin typeface="Microsoft JhengHei" panose="020B0604030504040204" pitchFamily="34" charset="-120"/>
                 <a:ea typeface="Microsoft JhengHei" panose="020B0604030504040204" pitchFamily="34" charset="-120"/>
               </a:rPr>
-              <a:t> </a:t>
-            </a:r>
-            <a:r>
-              <a:rPr lang="en-US" sz="3733" b="1" dirty="0">
-                <a:solidFill>
-                  <a:srgbClr val="660033"/>
-                </a:solidFill>
-                <a:latin typeface="Microsoft JhengHei" panose="020B0604030504040204" pitchFamily="34" charset="-120"/>
-                <a:ea typeface="Microsoft JhengHei" panose="020B0604030504040204" pitchFamily="34" charset="-120"/>
-              </a:rPr>
-              <a:t>)</a:t>
+              <a:t> )</a:t>
             </a:r>
             <a:endParaRPr lang="vi-VN" sz="3733" b="1" dirty="0">
               <a:solidFill>
@@ -3612,13 +3553,20 @@
     </p:spTree>
     <p:extLst>
       <p:ext uri="{BB962C8B-B14F-4D97-AF65-F5344CB8AC3E}">
-        <p14:creationId xmlns:p14="http://schemas.microsoft.com/office/powerpoint/2010/main" val="842291957"/>
+        <p14:creationId xmlns:p14="http://schemas.microsoft.com/office/powerpoint/2010/main" xmlns="" val="842291957"/>
       </p:ext>
     </p:extLst>
   </p:cSld>
   <p:clrMapOvr>
     <a:masterClrMapping/>
   </p:clrMapOvr>
+  <p:timing>
+    <p:tnLst>
+      <p:par>
+        <p:cTn id="1" dur="indefinite" restart="never" nodeType="tmRoot"/>
+      </p:par>
+    </p:tnLst>
+  </p:timing>
 </p:sld>
 </file>
 
@@ -3672,27 +3620,7 @@
                 <a:latin typeface="微軟正黑體" pitchFamily="34" charset="-120"/>
                 <a:ea typeface="微軟正黑體" pitchFamily="34" charset="-120"/>
               </a:rPr>
-              <a:t>慈愛達到穹蒼處  </a:t>
-            </a:r>
-            <a:r>
-              <a:rPr lang="zh-TW" altLang="en-US" sz="6400" b="1" dirty="0">
-                <a:solidFill>
-                  <a:srgbClr val="660033"/>
-                </a:solidFill>
-                <a:latin typeface="微軟正黑體" pitchFamily="34" charset="-120"/>
-                <a:ea typeface="微軟正黑體" pitchFamily="34" charset="-120"/>
-              </a:rPr>
-              <a:t> 恩</a:t>
-            </a:r>
-            <a:r>
-              <a:rPr lang="zh-TW" altLang="en-US" sz="6400" b="1" dirty="0">
-                <a:solidFill>
-                  <a:srgbClr val="660033"/>
-                </a:solidFill>
-                <a:latin typeface="微軟正黑體" pitchFamily="34" charset="-120"/>
-                <a:ea typeface="微軟正黑體" pitchFamily="34" charset="-120"/>
-              </a:rPr>
-              <a:t>慈信實</a:t>
+              <a:t>慈愛達到穹蒼處   恩慈信實</a:t>
             </a:r>
             <a:endParaRPr lang="en-US" altLang="zh-TW" sz="6400" b="1" dirty="0">
               <a:solidFill>
@@ -3770,17 +3698,7 @@
                 <a:latin typeface="Microsoft JhengHei" panose="020B0604030504040204" pitchFamily="34" charset="-120"/>
                 <a:ea typeface="Microsoft JhengHei" panose="020B0604030504040204" pitchFamily="34" charset="-120"/>
               </a:rPr>
-              <a:t> </a:t>
-            </a:r>
-            <a:r>
-              <a:rPr lang="en-US" sz="3733" b="1" dirty="0">
-                <a:solidFill>
-                  <a:srgbClr val="660033"/>
-                </a:solidFill>
-                <a:latin typeface="Microsoft JhengHei" panose="020B0604030504040204" pitchFamily="34" charset="-120"/>
-                <a:ea typeface="Microsoft JhengHei" panose="020B0604030504040204" pitchFamily="34" charset="-120"/>
-              </a:rPr>
-              <a:t>)</a:t>
+              <a:t> )</a:t>
             </a:r>
             <a:endParaRPr lang="vi-VN" sz="3733" b="1" dirty="0">
               <a:solidFill>
@@ -3795,13 +3713,20 @@
     </p:spTree>
     <p:extLst>
       <p:ext uri="{BB962C8B-B14F-4D97-AF65-F5344CB8AC3E}">
-        <p14:creationId xmlns:p14="http://schemas.microsoft.com/office/powerpoint/2010/main" val="1304220836"/>
+        <p14:creationId xmlns:p14="http://schemas.microsoft.com/office/powerpoint/2010/main" xmlns="" val="1304220836"/>
       </p:ext>
     </p:extLst>
   </p:cSld>
   <p:clrMapOvr>
     <a:masterClrMapping/>
   </p:clrMapOvr>
+  <p:timing>
+    <p:tnLst>
+      <p:par>
+        <p:cTn id="1" dur="indefinite" restart="never" nodeType="tmRoot"/>
+      </p:par>
+    </p:tnLst>
+  </p:timing>
 </p:sld>
 </file>
 
@@ -3865,37 +3790,17 @@
                 <a:latin typeface="微軟正黑體" pitchFamily="34" charset="-120"/>
                 <a:ea typeface="微軟正黑體" pitchFamily="34" charset="-120"/>
               </a:rPr>
-              <a:t>  </a:t>
-            </a:r>
-            <a:r>
-              <a:rPr lang="en-US" altLang="zh-TW" sz="6400" b="1" dirty="0">
+              <a:t>   </a:t>
+            </a:r>
+            <a:r>
+              <a:rPr lang="zh-TW" altLang="en-US" sz="6400" b="1" dirty="0">
                 <a:solidFill>
                   <a:srgbClr val="660033"/>
                 </a:solidFill>
                 <a:latin typeface="微軟正黑體" pitchFamily="34" charset="-120"/>
                 <a:ea typeface="微軟正黑體" pitchFamily="34" charset="-120"/>
               </a:rPr>
-              <a:t> </a:t>
-            </a:r>
-            <a:r>
-              <a:rPr lang="zh-TW" altLang="en-US" sz="6400" b="1" dirty="0">
-                <a:solidFill>
-                  <a:srgbClr val="660033"/>
-                </a:solidFill>
-                <a:latin typeface="微軟正黑體" pitchFamily="34" charset="-120"/>
-                <a:ea typeface="微軟正黑體" pitchFamily="34" charset="-120"/>
-              </a:rPr>
-              <a:t>各</a:t>
-            </a:r>
-            <a:r>
-              <a:rPr lang="zh-TW" altLang="en-US" sz="6400" b="1" dirty="0">
-                <a:solidFill>
-                  <a:srgbClr val="660033"/>
-                </a:solidFill>
-                <a:latin typeface="微軟正黑體" pitchFamily="34" charset="-120"/>
-                <a:ea typeface="微軟正黑體" pitchFamily="34" charset="-120"/>
-              </a:rPr>
-              <a:t>邦一致頌揚</a:t>
+              <a:t>各邦一致頌揚</a:t>
             </a:r>
             <a:endParaRPr lang="en-US" altLang="zh-TW" sz="6400" b="1" dirty="0">
               <a:solidFill>
@@ -3917,27 +3822,7 @@
                 <a:latin typeface="微軟正黑體" pitchFamily="34" charset="-120"/>
                 <a:ea typeface="微軟正黑體" pitchFamily="34" charset="-120"/>
               </a:rPr>
-              <a:t>讓這歌盡獻主  </a:t>
-            </a:r>
-            <a:r>
-              <a:rPr lang="zh-TW" altLang="en-US" sz="6400" b="1" dirty="0">
-                <a:solidFill>
-                  <a:srgbClr val="660033"/>
-                </a:solidFill>
-                <a:latin typeface="微軟正黑體" pitchFamily="34" charset="-120"/>
-                <a:ea typeface="微軟正黑體" pitchFamily="34" charset="-120"/>
-              </a:rPr>
-              <a:t> 榮</a:t>
-            </a:r>
-            <a:r>
-              <a:rPr lang="zh-TW" altLang="en-US" sz="6400" b="1" dirty="0">
-                <a:solidFill>
-                  <a:srgbClr val="660033"/>
-                </a:solidFill>
-                <a:latin typeface="微軟正黑體" pitchFamily="34" charset="-120"/>
-                <a:ea typeface="微軟正黑體" pitchFamily="34" charset="-120"/>
-              </a:rPr>
-              <a:t>光高照諸天</a:t>
+              <a:t>讓這歌盡獻主   榮光高照諸天</a:t>
             </a:r>
             <a:endParaRPr lang="en-US" altLang="zh-TW" sz="6400" b="1" dirty="0">
               <a:solidFill>
@@ -4000,17 +3885,7 @@
                 <a:latin typeface="Microsoft JhengHei" panose="020B0604030504040204" pitchFamily="34" charset="-120"/>
                 <a:ea typeface="Microsoft JhengHei" panose="020B0604030504040204" pitchFamily="34" charset="-120"/>
               </a:rPr>
-              <a:t> </a:t>
-            </a:r>
-            <a:r>
-              <a:rPr lang="en-US" sz="3733" b="1" dirty="0">
-                <a:solidFill>
-                  <a:srgbClr val="660033"/>
-                </a:solidFill>
-                <a:latin typeface="Microsoft JhengHei" panose="020B0604030504040204" pitchFamily="34" charset="-120"/>
-                <a:ea typeface="Microsoft JhengHei" panose="020B0604030504040204" pitchFamily="34" charset="-120"/>
-              </a:rPr>
-              <a:t>)</a:t>
+              <a:t> )</a:t>
             </a:r>
             <a:endParaRPr lang="vi-VN" sz="3733" b="1" dirty="0">
               <a:solidFill>
@@ -4025,13 +3900,20 @@
     </p:spTree>
     <p:extLst>
       <p:ext uri="{BB962C8B-B14F-4D97-AF65-F5344CB8AC3E}">
-        <p14:creationId xmlns:p14="http://schemas.microsoft.com/office/powerpoint/2010/main" val="2918021687"/>
+        <p14:creationId xmlns:p14="http://schemas.microsoft.com/office/powerpoint/2010/main" xmlns="" val="2918021687"/>
       </p:ext>
     </p:extLst>
   </p:cSld>
   <p:clrMapOvr>
     <a:masterClrMapping/>
   </p:clrMapOvr>
+  <p:timing>
+    <p:tnLst>
+      <p:par>
+        <p:cTn id="1" dur="indefinite" restart="never" nodeType="tmRoot"/>
+      </p:par>
+    </p:tnLst>
+  </p:timing>
 </p:sld>
 </file>
 
@@ -4085,27 +3967,7 @@
                 <a:latin typeface="微軟正黑體" pitchFamily="34" charset="-120"/>
                 <a:ea typeface="微軟正黑體" pitchFamily="34" charset="-120"/>
               </a:rPr>
-              <a:t>慈愛達到穹蒼處  </a:t>
-            </a:r>
-            <a:r>
-              <a:rPr lang="zh-TW" altLang="en-US" sz="6400" b="1" dirty="0">
-                <a:solidFill>
-                  <a:srgbClr val="660033"/>
-                </a:solidFill>
-                <a:latin typeface="微軟正黑體" pitchFamily="34" charset="-120"/>
-                <a:ea typeface="微軟正黑體" pitchFamily="34" charset="-120"/>
-              </a:rPr>
-              <a:t> 恩</a:t>
-            </a:r>
-            <a:r>
-              <a:rPr lang="zh-TW" altLang="en-US" sz="6400" b="1" dirty="0">
-                <a:solidFill>
-                  <a:srgbClr val="660033"/>
-                </a:solidFill>
-                <a:latin typeface="微軟正黑體" pitchFamily="34" charset="-120"/>
-                <a:ea typeface="微軟正黑體" pitchFamily="34" charset="-120"/>
-              </a:rPr>
-              <a:t>慈信實</a:t>
+              <a:t>慈愛達到穹蒼處   恩慈信實</a:t>
             </a:r>
             <a:endParaRPr lang="en-US" altLang="zh-TW" sz="6400" b="1" dirty="0">
               <a:solidFill>
@@ -4183,17 +4045,7 @@
                 <a:latin typeface="Microsoft JhengHei" panose="020B0604030504040204" pitchFamily="34" charset="-120"/>
                 <a:ea typeface="Microsoft JhengHei" panose="020B0604030504040204" pitchFamily="34" charset="-120"/>
               </a:rPr>
-              <a:t> </a:t>
-            </a:r>
-            <a:r>
-              <a:rPr lang="en-US" sz="3733" b="1" dirty="0">
-                <a:solidFill>
-                  <a:srgbClr val="660033"/>
-                </a:solidFill>
-                <a:latin typeface="Microsoft JhengHei" panose="020B0604030504040204" pitchFamily="34" charset="-120"/>
-                <a:ea typeface="Microsoft JhengHei" panose="020B0604030504040204" pitchFamily="34" charset="-120"/>
-              </a:rPr>
-              <a:t>)</a:t>
+              <a:t> )</a:t>
             </a:r>
             <a:endParaRPr lang="vi-VN" sz="3733" b="1" dirty="0">
               <a:solidFill>
@@ -4208,13 +4060,20 @@
     </p:spTree>
     <p:extLst>
       <p:ext uri="{BB962C8B-B14F-4D97-AF65-F5344CB8AC3E}">
-        <p14:creationId xmlns:p14="http://schemas.microsoft.com/office/powerpoint/2010/main" val="2680230957"/>
+        <p14:creationId xmlns:p14="http://schemas.microsoft.com/office/powerpoint/2010/main" xmlns="" val="2680230957"/>
       </p:ext>
     </p:extLst>
   </p:cSld>
   <p:clrMapOvr>
     <a:masterClrMapping/>
   </p:clrMapOvr>
+  <p:timing>
+    <p:tnLst>
+      <p:par>
+        <p:cTn id="1" dur="indefinite" restart="never" nodeType="tmRoot"/>
+      </p:par>
+    </p:tnLst>
+  </p:timing>
 </p:sld>
 </file>
 
@@ -4297,13 +4156,20 @@
     </p:spTree>
     <p:extLst>
       <p:ext uri="{BB962C8B-B14F-4D97-AF65-F5344CB8AC3E}">
-        <p14:creationId xmlns:p14="http://schemas.microsoft.com/office/powerpoint/2010/main" val="293065023"/>
+        <p14:creationId xmlns:p14="http://schemas.microsoft.com/office/powerpoint/2010/main" xmlns="" val="293065023"/>
       </p:ext>
     </p:extLst>
   </p:cSld>
   <p:clrMapOvr>
     <a:masterClrMapping/>
   </p:clrMapOvr>
+  <p:timing>
+    <p:tnLst>
+      <p:par>
+        <p:cTn id="1" dur="indefinite" restart="never" nodeType="tmRoot"/>
+      </p:par>
+    </p:tnLst>
+  </p:timing>
 </p:sld>
 </file>
 
@@ -4377,7 +4243,17 @@
                 <a:latin typeface="微軟正黑體" pitchFamily="34" charset="-120"/>
                 <a:ea typeface="微軟正黑體" pitchFamily="34" charset="-120"/>
               </a:rPr>
-              <a:t>比</a:t>
+              <a:t>比起</a:t>
+            </a:r>
+            <a:r>
+              <a:rPr lang="zh-CN" altLang="en-US" sz="6400" b="1" dirty="0">
+                <a:solidFill>
+                  <a:srgbClr val="000066"/>
+                </a:solidFill>
+                <a:latin typeface="微軟正黑體" pitchFamily="34" charset="-120"/>
+                <a:ea typeface="微軟正黑體" pitchFamily="34" charset="-120"/>
+              </a:rPr>
+              <a:t>祢</a:t>
             </a:r>
             <a:r>
               <a:rPr lang="zh-TW" altLang="en-US" sz="6400" b="1" dirty="0">
@@ -4387,47 +4263,7 @@
                 <a:latin typeface="微軟正黑體" pitchFamily="34" charset="-120"/>
                 <a:ea typeface="微軟正黑體" pitchFamily="34" charset="-120"/>
               </a:rPr>
-              <a:t>起</a:t>
-            </a:r>
-            <a:r>
-              <a:rPr lang="zh-CN" altLang="en-US" sz="6400" b="1" dirty="0">
-                <a:solidFill>
-                  <a:srgbClr val="000066"/>
-                </a:solidFill>
-                <a:latin typeface="微軟正黑體" pitchFamily="34" charset="-120"/>
-                <a:ea typeface="微軟正黑體" pitchFamily="34" charset="-120"/>
-              </a:rPr>
-              <a:t>祢</a:t>
-            </a:r>
-            <a:r>
-              <a:rPr lang="zh-TW" altLang="en-US" sz="6400" b="1" dirty="0">
-                <a:solidFill>
-                  <a:srgbClr val="000066"/>
-                </a:solidFill>
-                <a:latin typeface="微軟正黑體" pitchFamily="34" charset="-120"/>
-                <a:ea typeface="微軟正黑體" pitchFamily="34" charset="-120"/>
-              </a:rPr>
-              <a:t>的</a:t>
-            </a:r>
-            <a:r>
-              <a:rPr lang="zh-TW" altLang="en-US" sz="6400" b="1" dirty="0">
-                <a:solidFill>
-                  <a:srgbClr val="000066"/>
-                </a:solidFill>
-                <a:latin typeface="微軟正黑體" pitchFamily="34" charset="-120"/>
-                <a:ea typeface="微軟正黑體" pitchFamily="34" charset="-120"/>
-              </a:rPr>
-              <a:t>十</a:t>
-            </a:r>
-            <a:r>
-              <a:rPr lang="zh-TW" altLang="en-US" sz="6400" b="1" dirty="0">
-                <a:solidFill>
-                  <a:srgbClr val="000066"/>
-                </a:solidFill>
-                <a:latin typeface="微軟正黑體" pitchFamily="34" charset="-120"/>
-                <a:ea typeface="微軟正黑體" pitchFamily="34" charset="-120"/>
-              </a:rPr>
-              <a:t>架</a:t>
+              <a:t>的十架</a:t>
             </a:r>
             <a:r>
               <a:rPr lang="zh-TW" altLang="en-US" sz="6400" b="1" dirty="0" smtClean="0">
@@ -4587,13 +4423,20 @@
     </p:spTree>
     <p:extLst>
       <p:ext uri="{BB962C8B-B14F-4D97-AF65-F5344CB8AC3E}">
-        <p14:creationId xmlns:p14="http://schemas.microsoft.com/office/powerpoint/2010/main" val="1118267345"/>
+        <p14:creationId xmlns:p14="http://schemas.microsoft.com/office/powerpoint/2010/main" xmlns="" val="1118267345"/>
       </p:ext>
     </p:extLst>
   </p:cSld>
   <p:clrMapOvr>
     <a:masterClrMapping/>
   </p:clrMapOvr>
+  <p:timing>
+    <p:tnLst>
+      <p:par>
+        <p:cTn id="1" dur="indefinite" restart="never" nodeType="tmRoot"/>
+      </p:par>
+    </p:tnLst>
+  </p:timing>
 </p:sld>
 </file>
 
@@ -4729,7 +4572,17 @@
                 <a:latin typeface="微軟正黑體" pitchFamily="34" charset="-120"/>
                 <a:ea typeface="微軟正黑體" pitchFamily="34" charset="-120"/>
               </a:rPr>
-              <a:t>救贖愛</a:t>
+              <a:t>救贖愛海</a:t>
+            </a:r>
+            <a:r>
+              <a:rPr lang="en-US" altLang="zh-TW" sz="6400" b="1" dirty="0">
+                <a:solidFill>
+                  <a:srgbClr val="000066"/>
+                </a:solidFill>
+                <a:latin typeface="微軟正黑體" pitchFamily="34" charset="-120"/>
+                <a:ea typeface="微軟正黑體" pitchFamily="34" charset="-120"/>
+              </a:rPr>
+              <a:t>  </a:t>
             </a:r>
             <a:r>
               <a:rPr lang="zh-TW" altLang="en-US" sz="6400" b="1" dirty="0">
@@ -4739,37 +4592,7 @@
                 <a:latin typeface="微軟正黑體" pitchFamily="34" charset="-120"/>
                 <a:ea typeface="微軟正黑體" pitchFamily="34" charset="-120"/>
               </a:rPr>
-              <a:t>海</a:t>
-            </a:r>
-            <a:r>
-              <a:rPr lang="en-US" altLang="zh-TW" sz="6400" b="1" dirty="0">
-                <a:solidFill>
-                  <a:srgbClr val="000066"/>
-                </a:solidFill>
-                <a:latin typeface="微軟正黑體" pitchFamily="34" charset="-120"/>
-                <a:ea typeface="微軟正黑體" pitchFamily="34" charset="-120"/>
-              </a:rPr>
-              <a:t>  </a:t>
-            </a:r>
-            <a:r>
-              <a:rPr lang="zh-TW" altLang="en-US" sz="6400" b="1" dirty="0">
-                <a:solidFill>
-                  <a:srgbClr val="000066"/>
-                </a:solidFill>
-                <a:latin typeface="微軟正黑體" pitchFamily="34" charset="-120"/>
-                <a:ea typeface="微軟正黑體" pitchFamily="34" charset="-120"/>
-              </a:rPr>
-              <a:t>我</a:t>
-            </a:r>
-            <a:r>
-              <a:rPr lang="zh-TW" altLang="en-US" sz="6400" b="1" dirty="0">
-                <a:solidFill>
-                  <a:srgbClr val="000066"/>
-                </a:solidFill>
-                <a:latin typeface="微軟正黑體" pitchFamily="34" charset="-120"/>
-                <a:ea typeface="微軟正黑體" pitchFamily="34" charset="-120"/>
-              </a:rPr>
-              <a:t>得勝和釋放</a:t>
+              <a:t>我得勝和釋放</a:t>
             </a:r>
           </a:p>
         </p:txBody>
@@ -4840,13 +4663,20 @@
     </p:spTree>
     <p:extLst>
       <p:ext uri="{BB962C8B-B14F-4D97-AF65-F5344CB8AC3E}">
-        <p14:creationId xmlns:p14="http://schemas.microsoft.com/office/powerpoint/2010/main" val="525610475"/>
+        <p14:creationId xmlns:p14="http://schemas.microsoft.com/office/powerpoint/2010/main" xmlns="" val="525610475"/>
       </p:ext>
     </p:extLst>
   </p:cSld>
   <p:clrMapOvr>
     <a:masterClrMapping/>
   </p:clrMapOvr>
+  <p:timing>
+    <p:tnLst>
+      <p:par>
+        <p:cTn id="1" dur="indefinite" restart="never" nodeType="tmRoot"/>
+      </p:par>
+    </p:tnLst>
+  </p:timing>
 </p:sld>
 </file>
 
@@ -5050,13 +4880,20 @@
     </p:spTree>
     <p:extLst>
       <p:ext uri="{BB962C8B-B14F-4D97-AF65-F5344CB8AC3E}">
-        <p14:creationId xmlns:p14="http://schemas.microsoft.com/office/powerpoint/2010/main" val="2733976305"/>
+        <p14:creationId xmlns:p14="http://schemas.microsoft.com/office/powerpoint/2010/main" xmlns="" val="2733976305"/>
       </p:ext>
     </p:extLst>
   </p:cSld>
   <p:clrMapOvr>
     <a:masterClrMapping/>
   </p:clrMapOvr>
+  <p:timing>
+    <p:tnLst>
+      <p:par>
+        <p:cTn id="1" dur="indefinite" restart="never" nodeType="tmRoot"/>
+      </p:par>
+    </p:tnLst>
+  </p:timing>
 </p:sld>
 </file>
 
@@ -5147,13 +4984,6 @@
               </a:rPr>
               <a:t>明白我親身處境</a:t>
             </a:r>
-            <a:endParaRPr lang="zh-TW" altLang="en-US" sz="6600" b="1" dirty="0">
-              <a:solidFill>
-                <a:srgbClr val="000066"/>
-              </a:solidFill>
-              <a:latin typeface="微軟正黑體" pitchFamily="34" charset="-120"/>
-              <a:ea typeface="微軟正黑體" pitchFamily="34" charset="-120"/>
-            </a:endParaRPr>
           </a:p>
         </p:txBody>
       </p:sp>
@@ -5233,13 +5063,20 @@
     </p:spTree>
     <p:extLst>
       <p:ext uri="{BB962C8B-B14F-4D97-AF65-F5344CB8AC3E}">
-        <p14:creationId xmlns:p14="http://schemas.microsoft.com/office/powerpoint/2010/main" val="444855412"/>
+        <p14:creationId xmlns:p14="http://schemas.microsoft.com/office/powerpoint/2010/main" xmlns="" val="444855412"/>
       </p:ext>
     </p:extLst>
   </p:cSld>
   <p:clrMapOvr>
     <a:masterClrMapping/>
   </p:clrMapOvr>
+  <p:timing>
+    <p:tnLst>
+      <p:par>
+        <p:cTn id="1" dur="indefinite" restart="never" nodeType="tmRoot"/>
+      </p:par>
+    </p:tnLst>
+  </p:timing>
 </p:sld>
 </file>
 
@@ -5293,37 +5130,7 @@
                 <a:latin typeface="微軟正黑體" pitchFamily="34" charset="-120"/>
                 <a:ea typeface="微軟正黑體" pitchFamily="34" charset="-120"/>
               </a:rPr>
-              <a:t>願</a:t>
-            </a:r>
-            <a:r>
-              <a:rPr lang="zh-TW" altLang="en-US" sz="6400" b="1" dirty="0">
-                <a:solidFill>
-                  <a:srgbClr val="660033"/>
-                </a:solidFill>
-                <a:latin typeface="微軟正黑體" pitchFamily="34" charset="-120"/>
-                <a:ea typeface="微軟正黑體" pitchFamily="34" charset="-120"/>
-              </a:rPr>
-              <a:t>靈內甦醒  </a:t>
-            </a:r>
-            <a:r>
-              <a:rPr lang="zh-TW" altLang="en-US" sz="6400" b="1" dirty="0">
-                <a:solidFill>
-                  <a:srgbClr val="660033"/>
-                </a:solidFill>
-                <a:latin typeface="微軟正黑體" pitchFamily="34" charset="-120"/>
-                <a:ea typeface="微軟正黑體" pitchFamily="34" charset="-120"/>
-              </a:rPr>
-              <a:t> 心</a:t>
-            </a:r>
-            <a:r>
-              <a:rPr lang="zh-TW" altLang="en-US" sz="6400" b="1" dirty="0">
-                <a:solidFill>
-                  <a:srgbClr val="660033"/>
-                </a:solidFill>
-                <a:latin typeface="微軟正黑體" pitchFamily="34" charset="-120"/>
-                <a:ea typeface="微軟正黑體" pitchFamily="34" charset="-120"/>
-              </a:rPr>
-              <a:t>獻頌讚歌聲</a:t>
+              <a:t>願靈內甦醒   心獻頌讚歌聲</a:t>
             </a:r>
             <a:endParaRPr lang="en-US" altLang="zh-TW" sz="6400" b="1" dirty="0">
               <a:solidFill>
@@ -5345,7 +5152,17 @@
                 <a:latin typeface="微軟正黑體" pitchFamily="34" charset="-120"/>
                 <a:ea typeface="微軟正黑體" pitchFamily="34" charset="-120"/>
               </a:rPr>
-              <a:t>投</a:t>
+              <a:t>投在</a:t>
+            </a:r>
+            <a:r>
+              <a:rPr lang="zh-CN" altLang="en-US" sz="6400" b="1" dirty="0">
+                <a:solidFill>
+                  <a:srgbClr val="660033"/>
+                </a:solidFill>
+                <a:latin typeface="微軟正黑體" pitchFamily="34" charset="-120"/>
+                <a:ea typeface="微軟正黑體" pitchFamily="34" charset="-120"/>
+              </a:rPr>
+              <a:t>祢</a:t>
             </a:r>
             <a:r>
               <a:rPr lang="zh-TW" altLang="en-US" sz="6400" b="1" dirty="0">
@@ -5355,7 +5172,7 @@
                 <a:latin typeface="微軟正黑體" pitchFamily="34" charset="-120"/>
                 <a:ea typeface="微軟正黑體" pitchFamily="34" charset="-120"/>
               </a:rPr>
-              <a:t>在</a:t>
+              <a:t>的翅膀   願</a:t>
             </a:r>
             <a:r>
               <a:rPr lang="zh-CN" altLang="en-US" sz="6400" b="1" dirty="0">
@@ -5375,57 +5192,7 @@
                 <a:latin typeface="微軟正黑體" pitchFamily="34" charset="-120"/>
                 <a:ea typeface="微軟正黑體" pitchFamily="34" charset="-120"/>
               </a:rPr>
-              <a:t>的</a:t>
-            </a:r>
-            <a:r>
-              <a:rPr lang="zh-TW" altLang="en-US" sz="6400" b="1" dirty="0">
-                <a:solidFill>
-                  <a:srgbClr val="660033"/>
-                </a:solidFill>
-                <a:latin typeface="微軟正黑體" pitchFamily="34" charset="-120"/>
-                <a:ea typeface="微軟正黑體" pitchFamily="34" charset="-120"/>
-              </a:rPr>
-              <a:t>翅膀  </a:t>
-            </a:r>
-            <a:r>
-              <a:rPr lang="zh-TW" altLang="en-US" sz="6400" b="1" dirty="0">
-                <a:solidFill>
-                  <a:srgbClr val="660033"/>
-                </a:solidFill>
-                <a:latin typeface="微軟正黑體" pitchFamily="34" charset="-120"/>
-                <a:ea typeface="微軟正黑體" pitchFamily="34" charset="-120"/>
-              </a:rPr>
-              <a:t> 願</a:t>
-            </a:r>
-            <a:r>
-              <a:rPr lang="zh-CN" altLang="en-US" sz="6400" b="1" dirty="0">
-                <a:solidFill>
-                  <a:srgbClr val="660033"/>
-                </a:solidFill>
-                <a:latin typeface="微軟正黑體" pitchFamily="34" charset="-120"/>
-                <a:ea typeface="微軟正黑體" pitchFamily="34" charset="-120"/>
-              </a:rPr>
-              <a:t>祢</a:t>
-            </a:r>
-            <a:r>
-              <a:rPr lang="zh-TW" altLang="en-US" sz="6400" b="1" dirty="0">
-                <a:solidFill>
-                  <a:srgbClr val="660033"/>
-                </a:solidFill>
-                <a:latin typeface="微軟正黑體" pitchFamily="34" charset="-120"/>
-                <a:ea typeface="微軟正黑體" pitchFamily="34" charset="-120"/>
-              </a:rPr>
-              <a:t>施</a:t>
-            </a:r>
-            <a:r>
-              <a:rPr lang="zh-TW" altLang="en-US" sz="6400" b="1" dirty="0">
-                <a:solidFill>
-                  <a:srgbClr val="660033"/>
-                </a:solidFill>
-                <a:latin typeface="微軟正黑體" pitchFamily="34" charset="-120"/>
-                <a:ea typeface="微軟正黑體" pitchFamily="34" charset="-120"/>
-              </a:rPr>
-              <a:t>恩救拯</a:t>
+              <a:t>施恩救拯</a:t>
             </a:r>
             <a:endParaRPr lang="en-US" altLang="zh-TW" sz="6400" b="1" dirty="0">
               <a:solidFill>
@@ -5503,13 +5270,20 @@
     </p:spTree>
     <p:extLst>
       <p:ext uri="{BB962C8B-B14F-4D97-AF65-F5344CB8AC3E}">
-        <p14:creationId xmlns:p14="http://schemas.microsoft.com/office/powerpoint/2010/main" val="1521029018"/>
+        <p14:creationId xmlns:p14="http://schemas.microsoft.com/office/powerpoint/2010/main" xmlns="" val="1521029018"/>
       </p:ext>
     </p:extLst>
   </p:cSld>
   <p:clrMapOvr>
     <a:masterClrMapping/>
   </p:clrMapOvr>
+  <p:timing>
+    <p:tnLst>
+      <p:par>
+        <p:cTn id="1" dur="indefinite" restart="never" nodeType="tmRoot"/>
+      </p:par>
+    </p:tnLst>
+  </p:timing>
 </p:sld>
 </file>
 
@@ -5686,13 +5460,20 @@
     </p:spTree>
     <p:extLst>
       <p:ext uri="{BB962C8B-B14F-4D97-AF65-F5344CB8AC3E}">
-        <p14:creationId xmlns:p14="http://schemas.microsoft.com/office/powerpoint/2010/main" val="71905069"/>
+        <p14:creationId xmlns:p14="http://schemas.microsoft.com/office/powerpoint/2010/main" xmlns="" val="71905069"/>
       </p:ext>
     </p:extLst>
   </p:cSld>
   <p:clrMapOvr>
     <a:masterClrMapping/>
   </p:clrMapOvr>
+  <p:timing>
+    <p:tnLst>
+      <p:par>
+        <p:cTn id="1" dur="indefinite" restart="never" nodeType="tmRoot"/>
+      </p:par>
+    </p:tnLst>
+  </p:timing>
 </p:sld>
 </file>
 
@@ -5790,13 +5571,6 @@
               </a:rPr>
               <a:t>我今得到信心面對挑戰</a:t>
             </a:r>
-            <a:endParaRPr lang="zh-TW" altLang="en-US" sz="6600" b="1" dirty="0">
-              <a:solidFill>
-                <a:srgbClr val="000066"/>
-              </a:solidFill>
-              <a:latin typeface="微軟正黑體" pitchFamily="34" charset="-120"/>
-              <a:ea typeface="微軟正黑體" pitchFamily="34" charset="-120"/>
-            </a:endParaRPr>
           </a:p>
         </p:txBody>
       </p:sp>
@@ -5876,13 +5650,20 @@
     </p:spTree>
     <p:extLst>
       <p:ext uri="{BB962C8B-B14F-4D97-AF65-F5344CB8AC3E}">
-        <p14:creationId xmlns:p14="http://schemas.microsoft.com/office/powerpoint/2010/main" val="1735496191"/>
+        <p14:creationId xmlns:p14="http://schemas.microsoft.com/office/powerpoint/2010/main" xmlns="" val="1735496191"/>
       </p:ext>
     </p:extLst>
   </p:cSld>
   <p:clrMapOvr>
     <a:masterClrMapping/>
   </p:clrMapOvr>
+  <p:timing>
+    <p:tnLst>
+      <p:par>
+        <p:cTn id="1" dur="indefinite" restart="never" nodeType="tmRoot"/>
+      </p:par>
+    </p:tnLst>
+  </p:timing>
 </p:sld>
 </file>
 
@@ -5965,13 +5746,20 @@
     </p:spTree>
     <p:extLst>
       <p:ext uri="{BB962C8B-B14F-4D97-AF65-F5344CB8AC3E}">
-        <p14:creationId xmlns:p14="http://schemas.microsoft.com/office/powerpoint/2010/main" val="1538277970"/>
+        <p14:creationId xmlns:p14="http://schemas.microsoft.com/office/powerpoint/2010/main" xmlns="" val="1538277970"/>
       </p:ext>
     </p:extLst>
   </p:cSld>
   <p:clrMapOvr>
     <a:masterClrMapping/>
   </p:clrMapOvr>
+  <p:timing>
+    <p:tnLst>
+      <p:par>
+        <p:cTn id="1" dur="indefinite" restart="never" nodeType="tmRoot"/>
+      </p:par>
+    </p:tnLst>
+  </p:timing>
 </p:sld>
 </file>
 
@@ -6045,7 +5833,17 @@
                 <a:latin typeface="微軟正黑體" pitchFamily="34" charset="-120"/>
                 <a:ea typeface="微軟正黑體" pitchFamily="34" charset="-120"/>
               </a:rPr>
-              <a:t>比</a:t>
+              <a:t>比起</a:t>
+            </a:r>
+            <a:r>
+              <a:rPr lang="zh-CN" altLang="en-US" sz="6400" b="1" dirty="0">
+                <a:solidFill>
+                  <a:srgbClr val="000066"/>
+                </a:solidFill>
+                <a:latin typeface="微軟正黑體" pitchFamily="34" charset="-120"/>
+                <a:ea typeface="微軟正黑體" pitchFamily="34" charset="-120"/>
+              </a:rPr>
+              <a:t>祢</a:t>
             </a:r>
             <a:r>
               <a:rPr lang="zh-TW" altLang="en-US" sz="6400" b="1" dirty="0">
@@ -6055,47 +5853,7 @@
                 <a:latin typeface="微軟正黑體" pitchFamily="34" charset="-120"/>
                 <a:ea typeface="微軟正黑體" pitchFamily="34" charset="-120"/>
               </a:rPr>
-              <a:t>起</a:t>
-            </a:r>
-            <a:r>
-              <a:rPr lang="zh-CN" altLang="en-US" sz="6400" b="1" dirty="0">
-                <a:solidFill>
-                  <a:srgbClr val="000066"/>
-                </a:solidFill>
-                <a:latin typeface="微軟正黑體" pitchFamily="34" charset="-120"/>
-                <a:ea typeface="微軟正黑體" pitchFamily="34" charset="-120"/>
-              </a:rPr>
-              <a:t>祢</a:t>
-            </a:r>
-            <a:r>
-              <a:rPr lang="zh-TW" altLang="en-US" sz="6400" b="1" dirty="0">
-                <a:solidFill>
-                  <a:srgbClr val="000066"/>
-                </a:solidFill>
-                <a:latin typeface="微軟正黑體" pitchFamily="34" charset="-120"/>
-                <a:ea typeface="微軟正黑體" pitchFamily="34" charset="-120"/>
-              </a:rPr>
-              <a:t>的</a:t>
-            </a:r>
-            <a:r>
-              <a:rPr lang="zh-TW" altLang="en-US" sz="6400" b="1" dirty="0">
-                <a:solidFill>
-                  <a:srgbClr val="000066"/>
-                </a:solidFill>
-                <a:latin typeface="微軟正黑體" pitchFamily="34" charset="-120"/>
-                <a:ea typeface="微軟正黑體" pitchFamily="34" charset="-120"/>
-              </a:rPr>
-              <a:t>十</a:t>
-            </a:r>
-            <a:r>
-              <a:rPr lang="zh-TW" altLang="en-US" sz="6400" b="1" dirty="0">
-                <a:solidFill>
-                  <a:srgbClr val="000066"/>
-                </a:solidFill>
-                <a:latin typeface="微軟正黑體" pitchFamily="34" charset="-120"/>
-                <a:ea typeface="微軟正黑體" pitchFamily="34" charset="-120"/>
-              </a:rPr>
-              <a:t>架</a:t>
+              <a:t>的十架</a:t>
             </a:r>
             <a:r>
               <a:rPr lang="zh-TW" altLang="en-US" sz="6400" b="1" dirty="0" smtClean="0">
@@ -6255,13 +6013,20 @@
     </p:spTree>
     <p:extLst>
       <p:ext uri="{BB962C8B-B14F-4D97-AF65-F5344CB8AC3E}">
-        <p14:creationId xmlns:p14="http://schemas.microsoft.com/office/powerpoint/2010/main" val="2038992933"/>
+        <p14:creationId xmlns:p14="http://schemas.microsoft.com/office/powerpoint/2010/main" xmlns="" val="2038992933"/>
       </p:ext>
     </p:extLst>
   </p:cSld>
   <p:clrMapOvr>
     <a:masterClrMapping/>
   </p:clrMapOvr>
+  <p:timing>
+    <p:tnLst>
+      <p:par>
+        <p:cTn id="1" dur="indefinite" restart="never" nodeType="tmRoot"/>
+      </p:par>
+    </p:tnLst>
+  </p:timing>
 </p:sld>
 </file>
 
@@ -6397,7 +6162,17 @@
                 <a:latin typeface="微軟正黑體" pitchFamily="34" charset="-120"/>
                 <a:ea typeface="微軟正黑體" pitchFamily="34" charset="-120"/>
               </a:rPr>
-              <a:t>救贖愛</a:t>
+              <a:t>救贖愛海</a:t>
+            </a:r>
+            <a:r>
+              <a:rPr lang="en-US" altLang="zh-TW" sz="6400" b="1" dirty="0">
+                <a:solidFill>
+                  <a:srgbClr val="000066"/>
+                </a:solidFill>
+                <a:latin typeface="微軟正黑體" pitchFamily="34" charset="-120"/>
+                <a:ea typeface="微軟正黑體" pitchFamily="34" charset="-120"/>
+              </a:rPr>
+              <a:t>  </a:t>
             </a:r>
             <a:r>
               <a:rPr lang="zh-TW" altLang="en-US" sz="6400" b="1" dirty="0">
@@ -6407,37 +6182,7 @@
                 <a:latin typeface="微軟正黑體" pitchFamily="34" charset="-120"/>
                 <a:ea typeface="微軟正黑體" pitchFamily="34" charset="-120"/>
               </a:rPr>
-              <a:t>海</a:t>
-            </a:r>
-            <a:r>
-              <a:rPr lang="en-US" altLang="zh-TW" sz="6400" b="1" dirty="0">
-                <a:solidFill>
-                  <a:srgbClr val="000066"/>
-                </a:solidFill>
-                <a:latin typeface="微軟正黑體" pitchFamily="34" charset="-120"/>
-                <a:ea typeface="微軟正黑體" pitchFamily="34" charset="-120"/>
-              </a:rPr>
-              <a:t>  </a:t>
-            </a:r>
-            <a:r>
-              <a:rPr lang="zh-TW" altLang="en-US" sz="6400" b="1" dirty="0">
-                <a:solidFill>
-                  <a:srgbClr val="000066"/>
-                </a:solidFill>
-                <a:latin typeface="微軟正黑體" pitchFamily="34" charset="-120"/>
-                <a:ea typeface="微軟正黑體" pitchFamily="34" charset="-120"/>
-              </a:rPr>
-              <a:t>我</a:t>
-            </a:r>
-            <a:r>
-              <a:rPr lang="zh-TW" altLang="en-US" sz="6400" b="1" dirty="0">
-                <a:solidFill>
-                  <a:srgbClr val="000066"/>
-                </a:solidFill>
-                <a:latin typeface="微軟正黑體" pitchFamily="34" charset="-120"/>
-                <a:ea typeface="微軟正黑體" pitchFamily="34" charset="-120"/>
-              </a:rPr>
-              <a:t>得勝和釋放</a:t>
+              <a:t>我得勝和釋放</a:t>
             </a:r>
           </a:p>
         </p:txBody>
@@ -6508,13 +6253,20 @@
     </p:spTree>
     <p:extLst>
       <p:ext uri="{BB962C8B-B14F-4D97-AF65-F5344CB8AC3E}">
-        <p14:creationId xmlns:p14="http://schemas.microsoft.com/office/powerpoint/2010/main" val="4060972996"/>
+        <p14:creationId xmlns:p14="http://schemas.microsoft.com/office/powerpoint/2010/main" xmlns="" val="4060972996"/>
       </p:ext>
     </p:extLst>
   </p:cSld>
   <p:clrMapOvr>
     <a:masterClrMapping/>
   </p:clrMapOvr>
+  <p:timing>
+    <p:tnLst>
+      <p:par>
+        <p:cTn id="1" dur="indefinite" restart="never" nodeType="tmRoot"/>
+      </p:par>
+    </p:tnLst>
+  </p:timing>
 </p:sld>
 </file>
 
@@ -6718,13 +6470,20 @@
     </p:spTree>
     <p:extLst>
       <p:ext uri="{BB962C8B-B14F-4D97-AF65-F5344CB8AC3E}">
-        <p14:creationId xmlns:p14="http://schemas.microsoft.com/office/powerpoint/2010/main" val="3760056408"/>
+        <p14:creationId xmlns:p14="http://schemas.microsoft.com/office/powerpoint/2010/main" xmlns="" val="3760056408"/>
       </p:ext>
     </p:extLst>
   </p:cSld>
   <p:clrMapOvr>
     <a:masterClrMapping/>
   </p:clrMapOvr>
+  <p:timing>
+    <p:tnLst>
+      <p:par>
+        <p:cTn id="1" dur="indefinite" restart="never" nodeType="tmRoot"/>
+      </p:par>
+    </p:tnLst>
+  </p:timing>
 </p:sld>
 </file>
 
@@ -6815,13 +6574,6 @@
               </a:rPr>
               <a:t>明白我親身處境</a:t>
             </a:r>
-            <a:endParaRPr lang="zh-TW" altLang="en-US" sz="6600" b="1" dirty="0">
-              <a:solidFill>
-                <a:srgbClr val="000066"/>
-              </a:solidFill>
-              <a:latin typeface="微軟正黑體" pitchFamily="34" charset="-120"/>
-              <a:ea typeface="微軟正黑體" pitchFamily="34" charset="-120"/>
-            </a:endParaRPr>
           </a:p>
         </p:txBody>
       </p:sp>
@@ -6901,13 +6653,20 @@
     </p:spTree>
     <p:extLst>
       <p:ext uri="{BB962C8B-B14F-4D97-AF65-F5344CB8AC3E}">
-        <p14:creationId xmlns:p14="http://schemas.microsoft.com/office/powerpoint/2010/main" val="1971646154"/>
+        <p14:creationId xmlns:p14="http://schemas.microsoft.com/office/powerpoint/2010/main" xmlns="" val="1971646154"/>
       </p:ext>
     </p:extLst>
   </p:cSld>
   <p:clrMapOvr>
     <a:masterClrMapping/>
   </p:clrMapOvr>
+  <p:timing>
+    <p:tnLst>
+      <p:par>
+        <p:cTn id="1" dur="indefinite" restart="never" nodeType="tmRoot"/>
+      </p:par>
+    </p:tnLst>
+  </p:timing>
 </p:sld>
 </file>
 
@@ -7084,13 +6843,20 @@
     </p:spTree>
     <p:extLst>
       <p:ext uri="{BB962C8B-B14F-4D97-AF65-F5344CB8AC3E}">
-        <p14:creationId xmlns:p14="http://schemas.microsoft.com/office/powerpoint/2010/main" val="1995861099"/>
+        <p14:creationId xmlns:p14="http://schemas.microsoft.com/office/powerpoint/2010/main" xmlns="" val="1995861099"/>
       </p:ext>
     </p:extLst>
   </p:cSld>
   <p:clrMapOvr>
     <a:masterClrMapping/>
   </p:clrMapOvr>
+  <p:timing>
+    <p:tnLst>
+      <p:par>
+        <p:cTn id="1" dur="indefinite" restart="never" nodeType="tmRoot"/>
+      </p:par>
+    </p:tnLst>
+  </p:timing>
 </p:sld>
 </file>
 
@@ -7188,13 +6954,6 @@
               </a:rPr>
               <a:t>我今得到信心面對挑戰</a:t>
             </a:r>
-            <a:endParaRPr lang="zh-TW" altLang="en-US" sz="6600" b="1" dirty="0">
-              <a:solidFill>
-                <a:srgbClr val="000066"/>
-              </a:solidFill>
-              <a:latin typeface="微軟正黑體" pitchFamily="34" charset="-120"/>
-              <a:ea typeface="微軟正黑體" pitchFamily="34" charset="-120"/>
-            </a:endParaRPr>
           </a:p>
         </p:txBody>
       </p:sp>
@@ -7274,13 +7033,20 @@
     </p:spTree>
     <p:extLst>
       <p:ext uri="{BB962C8B-B14F-4D97-AF65-F5344CB8AC3E}">
-        <p14:creationId xmlns:p14="http://schemas.microsoft.com/office/powerpoint/2010/main" val="4186471301"/>
+        <p14:creationId xmlns:p14="http://schemas.microsoft.com/office/powerpoint/2010/main" xmlns="" val="4186471301"/>
       </p:ext>
     </p:extLst>
   </p:cSld>
   <p:clrMapOvr>
     <a:masterClrMapping/>
   </p:clrMapOvr>
+  <p:timing>
+    <p:tnLst>
+      <p:par>
+        <p:cTn id="1" dur="indefinite" restart="never" nodeType="tmRoot"/>
+      </p:par>
+    </p:tnLst>
+  </p:timing>
 </p:sld>
 </file>
 
@@ -7484,13 +7250,20 @@
     </p:spTree>
     <p:extLst>
       <p:ext uri="{BB962C8B-B14F-4D97-AF65-F5344CB8AC3E}">
-        <p14:creationId xmlns:p14="http://schemas.microsoft.com/office/powerpoint/2010/main" val="3393958374"/>
+        <p14:creationId xmlns:p14="http://schemas.microsoft.com/office/powerpoint/2010/main" xmlns="" val="3393958374"/>
       </p:ext>
     </p:extLst>
   </p:cSld>
   <p:clrMapOvr>
     <a:masterClrMapping/>
   </p:clrMapOvr>
+  <p:timing>
+    <p:tnLst>
+      <p:par>
+        <p:cTn id="1" dur="indefinite" restart="never" nodeType="tmRoot"/>
+      </p:par>
+    </p:tnLst>
+  </p:timing>
 </p:sld>
 </file>
 
@@ -7544,27 +7317,7 @@
                 <a:latin typeface="微軟正黑體" pitchFamily="34" charset="-120"/>
                 <a:ea typeface="微軟正黑體" pitchFamily="34" charset="-120"/>
               </a:rPr>
-              <a:t>願榮耀歸主  </a:t>
-            </a:r>
-            <a:r>
-              <a:rPr lang="zh-TW" altLang="en-US" sz="6400" b="1" dirty="0">
-                <a:solidFill>
-                  <a:srgbClr val="660033"/>
-                </a:solidFill>
-                <a:latin typeface="微軟正黑體" pitchFamily="34" charset="-120"/>
-                <a:ea typeface="微軟正黑體" pitchFamily="34" charset="-120"/>
-              </a:rPr>
-              <a:t> 高</a:t>
-            </a:r>
-            <a:r>
-              <a:rPr lang="zh-TW" altLang="en-US" sz="6400" b="1" dirty="0">
-                <a:solidFill>
-                  <a:srgbClr val="660033"/>
-                </a:solidFill>
-                <a:latin typeface="微軟正黑體" pitchFamily="34" charset="-120"/>
-                <a:ea typeface="微軟正黑體" pitchFamily="34" charset="-120"/>
-              </a:rPr>
-              <a:t>唱頌讚新歌</a:t>
+              <a:t>願榮耀歸主   高唱頌讚新歌</a:t>
             </a:r>
             <a:endParaRPr lang="en-US" altLang="zh-TW" sz="6400" b="1" dirty="0">
               <a:solidFill>
@@ -7586,27 +7339,7 @@
                 <a:latin typeface="微軟正黑體" pitchFamily="34" charset="-120"/>
                 <a:ea typeface="微軟正黑體" pitchFamily="34" charset="-120"/>
               </a:rPr>
-              <a:t>琴和應瑟奏鳴  </a:t>
-            </a:r>
-            <a:r>
-              <a:rPr lang="zh-TW" altLang="en-US" sz="6400" b="1" dirty="0">
-                <a:solidFill>
-                  <a:srgbClr val="660033"/>
-                </a:solidFill>
-                <a:latin typeface="微軟正黑體" pitchFamily="34" charset="-120"/>
-                <a:ea typeface="微軟正黑體" pitchFamily="34" charset="-120"/>
-              </a:rPr>
-              <a:t> 樂</a:t>
-            </a:r>
-            <a:r>
-              <a:rPr lang="zh-TW" altLang="en-US" sz="6400" b="1" dirty="0">
-                <a:solidFill>
-                  <a:srgbClr val="660033"/>
-                </a:solidFill>
-                <a:latin typeface="微軟正黑體" pitchFamily="34" charset="-120"/>
-                <a:ea typeface="微軟正黑體" pitchFamily="34" charset="-120"/>
-              </a:rPr>
-              <a:t>韻歌聲齊賀</a:t>
+              <a:t>琴和應瑟奏鳴   樂韻歌聲齊賀</a:t>
             </a:r>
           </a:p>
         </p:txBody>
@@ -7677,13 +7410,20 @@
     </p:spTree>
     <p:extLst>
       <p:ext uri="{BB962C8B-B14F-4D97-AF65-F5344CB8AC3E}">
-        <p14:creationId xmlns:p14="http://schemas.microsoft.com/office/powerpoint/2010/main" val="1845234646"/>
+        <p14:creationId xmlns:p14="http://schemas.microsoft.com/office/powerpoint/2010/main" xmlns="" val="1845234646"/>
       </p:ext>
     </p:extLst>
   </p:cSld>
   <p:clrMapOvr>
     <a:masterClrMapping/>
   </p:clrMapOvr>
+  <p:timing>
+    <p:tnLst>
+      <p:par>
+        <p:cTn id="1" dur="indefinite" restart="never" nodeType="tmRoot"/>
+      </p:par>
+    </p:tnLst>
+  </p:timing>
 </p:sld>
 </file>
 
@@ -7774,13 +7514,6 @@
               </a:rPr>
               <a:t>明白我親身處境</a:t>
             </a:r>
-            <a:endParaRPr lang="zh-TW" altLang="en-US" sz="6600" b="1" dirty="0">
-              <a:solidFill>
-                <a:srgbClr val="000066"/>
-              </a:solidFill>
-              <a:latin typeface="微軟正黑體" pitchFamily="34" charset="-120"/>
-              <a:ea typeface="微軟正黑體" pitchFamily="34" charset="-120"/>
-            </a:endParaRPr>
           </a:p>
         </p:txBody>
       </p:sp>
@@ -7860,13 +7593,20 @@
     </p:spTree>
     <p:extLst>
       <p:ext uri="{BB962C8B-B14F-4D97-AF65-F5344CB8AC3E}">
-        <p14:creationId xmlns:p14="http://schemas.microsoft.com/office/powerpoint/2010/main" val="4105820484"/>
+        <p14:creationId xmlns:p14="http://schemas.microsoft.com/office/powerpoint/2010/main" xmlns="" val="4105820484"/>
       </p:ext>
     </p:extLst>
   </p:cSld>
   <p:clrMapOvr>
     <a:masterClrMapping/>
   </p:clrMapOvr>
+  <p:timing>
+    <p:tnLst>
+      <p:par>
+        <p:cTn id="1" dur="indefinite" restart="never" nodeType="tmRoot"/>
+      </p:par>
+    </p:tnLst>
+  </p:timing>
 </p:sld>
 </file>
 
@@ -8043,13 +7783,20 @@
     </p:spTree>
     <p:extLst>
       <p:ext uri="{BB962C8B-B14F-4D97-AF65-F5344CB8AC3E}">
-        <p14:creationId xmlns:p14="http://schemas.microsoft.com/office/powerpoint/2010/main" val="4232325235"/>
+        <p14:creationId xmlns:p14="http://schemas.microsoft.com/office/powerpoint/2010/main" xmlns="" val="4232325235"/>
       </p:ext>
     </p:extLst>
   </p:cSld>
   <p:clrMapOvr>
     <a:masterClrMapping/>
   </p:clrMapOvr>
+  <p:timing>
+    <p:tnLst>
+      <p:par>
+        <p:cTn id="1" dur="indefinite" restart="never" nodeType="tmRoot"/>
+      </p:par>
+    </p:tnLst>
+  </p:timing>
 </p:sld>
 </file>
 
@@ -8147,13 +7894,6 @@
               </a:rPr>
               <a:t>我今得到信心面對挑戰</a:t>
             </a:r>
-            <a:endParaRPr lang="zh-TW" altLang="en-US" sz="6600" b="1" dirty="0">
-              <a:solidFill>
-                <a:srgbClr val="000066"/>
-              </a:solidFill>
-              <a:latin typeface="微軟正黑體" pitchFamily="34" charset="-120"/>
-              <a:ea typeface="微軟正黑體" pitchFamily="34" charset="-120"/>
-            </a:endParaRPr>
           </a:p>
         </p:txBody>
       </p:sp>
@@ -8233,13 +7973,20 @@
     </p:spTree>
     <p:extLst>
       <p:ext uri="{BB962C8B-B14F-4D97-AF65-F5344CB8AC3E}">
-        <p14:creationId xmlns:p14="http://schemas.microsoft.com/office/powerpoint/2010/main" val="826951808"/>
+        <p14:creationId xmlns:p14="http://schemas.microsoft.com/office/powerpoint/2010/main" xmlns="" val="826951808"/>
       </p:ext>
     </p:extLst>
   </p:cSld>
   <p:clrMapOvr>
     <a:masterClrMapping/>
   </p:clrMapOvr>
+  <p:timing>
+    <p:tnLst>
+      <p:par>
+        <p:cTn id="1" dur="indefinite" restart="never" nodeType="tmRoot"/>
+      </p:par>
+    </p:tnLst>
+  </p:timing>
 </p:sld>
 </file>
 
@@ -8416,13 +8163,20 @@
     </p:spTree>
     <p:extLst>
       <p:ext uri="{BB962C8B-B14F-4D97-AF65-F5344CB8AC3E}">
-        <p14:creationId xmlns:p14="http://schemas.microsoft.com/office/powerpoint/2010/main" val="54225213"/>
+        <p14:creationId xmlns:p14="http://schemas.microsoft.com/office/powerpoint/2010/main" xmlns="" val="54225213"/>
       </p:ext>
     </p:extLst>
   </p:cSld>
   <p:clrMapOvr>
     <a:masterClrMapping/>
   </p:clrMapOvr>
+  <p:timing>
+    <p:tnLst>
+      <p:par>
+        <p:cTn id="1" dur="indefinite" restart="never" nodeType="tmRoot"/>
+      </p:par>
+    </p:tnLst>
+  </p:timing>
 </p:sld>
 </file>
 
@@ -8520,13 +8274,6 @@
               </a:rPr>
               <a:t>我今得到信心面對挑戰</a:t>
             </a:r>
-            <a:endParaRPr lang="zh-TW" altLang="en-US" sz="6600" b="1" dirty="0">
-              <a:solidFill>
-                <a:srgbClr val="000066"/>
-              </a:solidFill>
-              <a:latin typeface="微軟正黑體" pitchFamily="34" charset="-120"/>
-              <a:ea typeface="微軟正黑體" pitchFamily="34" charset="-120"/>
-            </a:endParaRPr>
           </a:p>
         </p:txBody>
       </p:sp>
@@ -8606,13 +8353,20 @@
     </p:spTree>
     <p:extLst>
       <p:ext uri="{BB962C8B-B14F-4D97-AF65-F5344CB8AC3E}">
-        <p14:creationId xmlns:p14="http://schemas.microsoft.com/office/powerpoint/2010/main" val="2571243837"/>
+        <p14:creationId xmlns:p14="http://schemas.microsoft.com/office/powerpoint/2010/main" xmlns="" val="2571243837"/>
       </p:ext>
     </p:extLst>
   </p:cSld>
   <p:clrMapOvr>
     <a:masterClrMapping/>
   </p:clrMapOvr>
+  <p:timing>
+    <p:tnLst>
+      <p:par>
+        <p:cTn id="1" dur="indefinite" restart="never" nodeType="tmRoot"/>
+      </p:par>
+    </p:tnLst>
+  </p:timing>
 </p:sld>
 </file>
 
@@ -8676,37 +8430,17 @@
                 <a:latin typeface="微軟正黑體" pitchFamily="34" charset="-120"/>
                 <a:ea typeface="微軟正黑體" pitchFamily="34" charset="-120"/>
               </a:rPr>
-              <a:t>  </a:t>
-            </a:r>
-            <a:r>
-              <a:rPr lang="en-US" altLang="zh-TW" sz="6400" b="1" dirty="0">
+              <a:t>   </a:t>
+            </a:r>
+            <a:r>
+              <a:rPr lang="zh-TW" altLang="en-US" sz="6400" b="1" dirty="0">
                 <a:solidFill>
                   <a:srgbClr val="660033"/>
                 </a:solidFill>
                 <a:latin typeface="微軟正黑體" pitchFamily="34" charset="-120"/>
                 <a:ea typeface="微軟正黑體" pitchFamily="34" charset="-120"/>
               </a:rPr>
-              <a:t> </a:t>
-            </a:r>
-            <a:r>
-              <a:rPr lang="zh-TW" altLang="en-US" sz="6400" b="1" dirty="0">
-                <a:solidFill>
-                  <a:srgbClr val="660033"/>
-                </a:solidFill>
-                <a:latin typeface="微軟正黑體" pitchFamily="34" charset="-120"/>
-                <a:ea typeface="微軟正黑體" pitchFamily="34" charset="-120"/>
-              </a:rPr>
-              <a:t>各</a:t>
-            </a:r>
-            <a:r>
-              <a:rPr lang="zh-TW" altLang="en-US" sz="6400" b="1" dirty="0">
-                <a:solidFill>
-                  <a:srgbClr val="660033"/>
-                </a:solidFill>
-                <a:latin typeface="微軟正黑體" pitchFamily="34" charset="-120"/>
-                <a:ea typeface="微軟正黑體" pitchFamily="34" charset="-120"/>
-              </a:rPr>
-              <a:t>邦一致頌揚</a:t>
+              <a:t>各邦一致頌揚</a:t>
             </a:r>
             <a:endParaRPr lang="en-US" altLang="zh-TW" sz="6400" b="1" dirty="0">
               <a:solidFill>
@@ -8728,27 +8462,7 @@
                 <a:latin typeface="微軟正黑體" pitchFamily="34" charset="-120"/>
                 <a:ea typeface="微軟正黑體" pitchFamily="34" charset="-120"/>
               </a:rPr>
-              <a:t>讓這歌盡獻主  </a:t>
-            </a:r>
-            <a:r>
-              <a:rPr lang="zh-TW" altLang="en-US" sz="6400" b="1" dirty="0">
-                <a:solidFill>
-                  <a:srgbClr val="660033"/>
-                </a:solidFill>
-                <a:latin typeface="微軟正黑體" pitchFamily="34" charset="-120"/>
-                <a:ea typeface="微軟正黑體" pitchFamily="34" charset="-120"/>
-              </a:rPr>
-              <a:t> 榮</a:t>
-            </a:r>
-            <a:r>
-              <a:rPr lang="zh-TW" altLang="en-US" sz="6400" b="1" dirty="0">
-                <a:solidFill>
-                  <a:srgbClr val="660033"/>
-                </a:solidFill>
-                <a:latin typeface="微軟正黑體" pitchFamily="34" charset="-120"/>
-                <a:ea typeface="微軟正黑體" pitchFamily="34" charset="-120"/>
-              </a:rPr>
-              <a:t>光高照諸天</a:t>
+              <a:t>讓這歌盡獻主   榮光高照諸天</a:t>
             </a:r>
             <a:endParaRPr lang="en-US" altLang="zh-TW" sz="6400" b="1" dirty="0">
               <a:solidFill>
@@ -8811,17 +8525,7 @@
                 <a:latin typeface="Microsoft JhengHei" panose="020B0604030504040204" pitchFamily="34" charset="-120"/>
                 <a:ea typeface="Microsoft JhengHei" panose="020B0604030504040204" pitchFamily="34" charset="-120"/>
               </a:rPr>
-              <a:t> </a:t>
-            </a:r>
-            <a:r>
-              <a:rPr lang="en-US" sz="3733" b="1" dirty="0">
-                <a:solidFill>
-                  <a:srgbClr val="660033"/>
-                </a:solidFill>
-                <a:latin typeface="Microsoft JhengHei" panose="020B0604030504040204" pitchFamily="34" charset="-120"/>
-                <a:ea typeface="Microsoft JhengHei" panose="020B0604030504040204" pitchFamily="34" charset="-120"/>
-              </a:rPr>
-              <a:t>)</a:t>
+              <a:t> )</a:t>
             </a:r>
             <a:endParaRPr lang="vi-VN" sz="3733" b="1" dirty="0">
               <a:solidFill>
@@ -8836,13 +8540,20 @@
     </p:spTree>
     <p:extLst>
       <p:ext uri="{BB962C8B-B14F-4D97-AF65-F5344CB8AC3E}">
-        <p14:creationId xmlns:p14="http://schemas.microsoft.com/office/powerpoint/2010/main" val="3897703714"/>
+        <p14:creationId xmlns:p14="http://schemas.microsoft.com/office/powerpoint/2010/main" xmlns="" val="3897703714"/>
       </p:ext>
     </p:extLst>
   </p:cSld>
   <p:clrMapOvr>
     <a:masterClrMapping/>
   </p:clrMapOvr>
+  <p:timing>
+    <p:tnLst>
+      <p:par>
+        <p:cTn id="1" dur="indefinite" restart="never" nodeType="tmRoot"/>
+      </p:par>
+    </p:tnLst>
+  </p:timing>
 </p:sld>
 </file>
 
@@ -8896,27 +8607,7 @@
                 <a:latin typeface="微軟正黑體" pitchFamily="34" charset="-120"/>
                 <a:ea typeface="微軟正黑體" pitchFamily="34" charset="-120"/>
               </a:rPr>
-              <a:t>慈愛達到穹蒼處  </a:t>
-            </a:r>
-            <a:r>
-              <a:rPr lang="zh-TW" altLang="en-US" sz="6400" b="1" dirty="0">
-                <a:solidFill>
-                  <a:srgbClr val="660033"/>
-                </a:solidFill>
-                <a:latin typeface="微軟正黑體" pitchFamily="34" charset="-120"/>
-                <a:ea typeface="微軟正黑體" pitchFamily="34" charset="-120"/>
-              </a:rPr>
-              <a:t> 恩</a:t>
-            </a:r>
-            <a:r>
-              <a:rPr lang="zh-TW" altLang="en-US" sz="6400" b="1" dirty="0">
-                <a:solidFill>
-                  <a:srgbClr val="660033"/>
-                </a:solidFill>
-                <a:latin typeface="微軟正黑體" pitchFamily="34" charset="-120"/>
-                <a:ea typeface="微軟正黑體" pitchFamily="34" charset="-120"/>
-              </a:rPr>
-              <a:t>慈信實</a:t>
+              <a:t>慈愛達到穹蒼處   恩慈信實</a:t>
             </a:r>
             <a:endParaRPr lang="en-US" altLang="zh-TW" sz="6400" b="1" dirty="0">
               <a:solidFill>
@@ -8994,17 +8685,7 @@
                 <a:latin typeface="Microsoft JhengHei" panose="020B0604030504040204" pitchFamily="34" charset="-120"/>
                 <a:ea typeface="Microsoft JhengHei" panose="020B0604030504040204" pitchFamily="34" charset="-120"/>
               </a:rPr>
-              <a:t> </a:t>
-            </a:r>
-            <a:r>
-              <a:rPr lang="en-US" sz="3733" b="1" dirty="0">
-                <a:solidFill>
-                  <a:srgbClr val="660033"/>
-                </a:solidFill>
-                <a:latin typeface="Microsoft JhengHei" panose="020B0604030504040204" pitchFamily="34" charset="-120"/>
-                <a:ea typeface="Microsoft JhengHei" panose="020B0604030504040204" pitchFamily="34" charset="-120"/>
-              </a:rPr>
-              <a:t>)</a:t>
+              <a:t> )</a:t>
             </a:r>
             <a:endParaRPr lang="vi-VN" sz="3733" b="1" dirty="0">
               <a:solidFill>
@@ -9019,13 +8700,20 @@
     </p:spTree>
     <p:extLst>
       <p:ext uri="{BB962C8B-B14F-4D97-AF65-F5344CB8AC3E}">
-        <p14:creationId xmlns:p14="http://schemas.microsoft.com/office/powerpoint/2010/main" val="3826017336"/>
+        <p14:creationId xmlns:p14="http://schemas.microsoft.com/office/powerpoint/2010/main" xmlns="" val="3826017336"/>
       </p:ext>
     </p:extLst>
   </p:cSld>
   <p:clrMapOvr>
     <a:masterClrMapping/>
   </p:clrMapOvr>
+  <p:timing>
+    <p:tnLst>
+      <p:par>
+        <p:cTn id="1" dur="indefinite" restart="never" nodeType="tmRoot"/>
+      </p:par>
+    </p:tnLst>
+  </p:timing>
 </p:sld>
 </file>
 
@@ -9083,24 +8771,7 @@
                 <a:latin typeface="微軟正黑體" pitchFamily="34" charset="-120"/>
                 <a:ea typeface="微軟正黑體" pitchFamily="34" charset="-120"/>
               </a:rPr>
-              <a:t>全</a:t>
-            </a:r>
-            <a:r>
-              <a:rPr lang="zh-TW" altLang="en-US" sz="7200" b="1" i="1" dirty="0">
-                <a:solidFill>
-                  <a:srgbClr val="660033"/>
-                </a:solidFill>
-                <a:effectLst>
-                  <a:outerShdw blurRad="38100" dist="38100" dir="2700000" algn="tl">
-                    <a:srgbClr val="000000">
-                      <a:alpha val="43137"/>
-                    </a:srgbClr>
-                  </a:outerShdw>
-                </a:effectLst>
-                <a:latin typeface="微軟正黑體" pitchFamily="34" charset="-120"/>
-                <a:ea typeface="微軟正黑體" pitchFamily="34" charset="-120"/>
-              </a:rPr>
-              <a:t>地至高是我主</a:t>
+              <a:t>全地至高是我主</a:t>
             </a:r>
           </a:p>
         </p:txBody>
@@ -9108,13 +8779,20 @@
     </p:spTree>
     <p:extLst>
       <p:ext uri="{BB962C8B-B14F-4D97-AF65-F5344CB8AC3E}">
-        <p14:creationId xmlns:p14="http://schemas.microsoft.com/office/powerpoint/2010/main" val="2421135248"/>
+        <p14:creationId xmlns:p14="http://schemas.microsoft.com/office/powerpoint/2010/main" xmlns="" val="2421135248"/>
       </p:ext>
     </p:extLst>
   </p:cSld>
   <p:clrMapOvr>
     <a:masterClrMapping/>
   </p:clrMapOvr>
+  <p:timing>
+    <p:tnLst>
+      <p:par>
+        <p:cTn id="1" dur="indefinite" restart="never" nodeType="tmRoot"/>
+      </p:par>
+    </p:tnLst>
+  </p:timing>
 </p:sld>
 </file>
 
@@ -9168,37 +8846,7 @@
                 <a:latin typeface="微軟正黑體" pitchFamily="34" charset="-120"/>
                 <a:ea typeface="微軟正黑體" pitchFamily="34" charset="-120"/>
               </a:rPr>
-              <a:t>願</a:t>
-            </a:r>
-            <a:r>
-              <a:rPr lang="zh-TW" altLang="en-US" sz="6400" b="1" dirty="0">
-                <a:solidFill>
-                  <a:srgbClr val="660033"/>
-                </a:solidFill>
-                <a:latin typeface="微軟正黑體" pitchFamily="34" charset="-120"/>
-                <a:ea typeface="微軟正黑體" pitchFamily="34" charset="-120"/>
-              </a:rPr>
-              <a:t>靈內甦醒  </a:t>
-            </a:r>
-            <a:r>
-              <a:rPr lang="zh-TW" altLang="en-US" sz="6400" b="1" dirty="0">
-                <a:solidFill>
-                  <a:srgbClr val="660033"/>
-                </a:solidFill>
-                <a:latin typeface="微軟正黑體" pitchFamily="34" charset="-120"/>
-                <a:ea typeface="微軟正黑體" pitchFamily="34" charset="-120"/>
-              </a:rPr>
-              <a:t> 心</a:t>
-            </a:r>
-            <a:r>
-              <a:rPr lang="zh-TW" altLang="en-US" sz="6400" b="1" dirty="0">
-                <a:solidFill>
-                  <a:srgbClr val="660033"/>
-                </a:solidFill>
-                <a:latin typeface="微軟正黑體" pitchFamily="34" charset="-120"/>
-                <a:ea typeface="微軟正黑體" pitchFamily="34" charset="-120"/>
-              </a:rPr>
-              <a:t>獻頌讚歌聲</a:t>
+              <a:t>願靈內甦醒   心獻頌讚歌聲</a:t>
             </a:r>
             <a:endParaRPr lang="en-US" altLang="zh-TW" sz="6400" b="1" dirty="0">
               <a:solidFill>
@@ -9220,7 +8868,17 @@
                 <a:latin typeface="微軟正黑體" pitchFamily="34" charset="-120"/>
                 <a:ea typeface="微軟正黑體" pitchFamily="34" charset="-120"/>
               </a:rPr>
-              <a:t>投</a:t>
+              <a:t>投在</a:t>
+            </a:r>
+            <a:r>
+              <a:rPr lang="zh-CN" altLang="en-US" sz="6400" b="1" dirty="0">
+                <a:solidFill>
+                  <a:srgbClr val="660033"/>
+                </a:solidFill>
+                <a:latin typeface="微軟正黑體" pitchFamily="34" charset="-120"/>
+                <a:ea typeface="微軟正黑體" pitchFamily="34" charset="-120"/>
+              </a:rPr>
+              <a:t>祢</a:t>
             </a:r>
             <a:r>
               <a:rPr lang="zh-TW" altLang="en-US" sz="6400" b="1" dirty="0">
@@ -9230,7 +8888,7 @@
                 <a:latin typeface="微軟正黑體" pitchFamily="34" charset="-120"/>
                 <a:ea typeface="微軟正黑體" pitchFamily="34" charset="-120"/>
               </a:rPr>
-              <a:t>在</a:t>
+              <a:t>的翅膀   願</a:t>
             </a:r>
             <a:r>
               <a:rPr lang="zh-CN" altLang="en-US" sz="6400" b="1" dirty="0">
@@ -9250,57 +8908,7 @@
                 <a:latin typeface="微軟正黑體" pitchFamily="34" charset="-120"/>
                 <a:ea typeface="微軟正黑體" pitchFamily="34" charset="-120"/>
               </a:rPr>
-              <a:t>的</a:t>
-            </a:r>
-            <a:r>
-              <a:rPr lang="zh-TW" altLang="en-US" sz="6400" b="1" dirty="0">
-                <a:solidFill>
-                  <a:srgbClr val="660033"/>
-                </a:solidFill>
-                <a:latin typeface="微軟正黑體" pitchFamily="34" charset="-120"/>
-                <a:ea typeface="微軟正黑體" pitchFamily="34" charset="-120"/>
-              </a:rPr>
-              <a:t>翅膀  </a:t>
-            </a:r>
-            <a:r>
-              <a:rPr lang="zh-TW" altLang="en-US" sz="6400" b="1" dirty="0">
-                <a:solidFill>
-                  <a:srgbClr val="660033"/>
-                </a:solidFill>
-                <a:latin typeface="微軟正黑體" pitchFamily="34" charset="-120"/>
-                <a:ea typeface="微軟正黑體" pitchFamily="34" charset="-120"/>
-              </a:rPr>
-              <a:t> 願</a:t>
-            </a:r>
-            <a:r>
-              <a:rPr lang="zh-CN" altLang="en-US" sz="6400" b="1" dirty="0">
-                <a:solidFill>
-                  <a:srgbClr val="660033"/>
-                </a:solidFill>
-                <a:latin typeface="微軟正黑體" pitchFamily="34" charset="-120"/>
-                <a:ea typeface="微軟正黑體" pitchFamily="34" charset="-120"/>
-              </a:rPr>
-              <a:t>祢</a:t>
-            </a:r>
-            <a:r>
-              <a:rPr lang="zh-TW" altLang="en-US" sz="6400" b="1" dirty="0">
-                <a:solidFill>
-                  <a:srgbClr val="660033"/>
-                </a:solidFill>
-                <a:latin typeface="微軟正黑體" pitchFamily="34" charset="-120"/>
-                <a:ea typeface="微軟正黑體" pitchFamily="34" charset="-120"/>
-              </a:rPr>
-              <a:t>施</a:t>
-            </a:r>
-            <a:r>
-              <a:rPr lang="zh-TW" altLang="en-US" sz="6400" b="1" dirty="0">
-                <a:solidFill>
-                  <a:srgbClr val="660033"/>
-                </a:solidFill>
-                <a:latin typeface="微軟正黑體" pitchFamily="34" charset="-120"/>
-                <a:ea typeface="微軟正黑體" pitchFamily="34" charset="-120"/>
-              </a:rPr>
-              <a:t>恩救拯</a:t>
+              <a:t>施恩救拯</a:t>
             </a:r>
             <a:endParaRPr lang="en-US" altLang="zh-TW" sz="6400" b="1" dirty="0">
               <a:solidFill>
@@ -9378,13 +8986,20 @@
     </p:spTree>
     <p:extLst>
       <p:ext uri="{BB962C8B-B14F-4D97-AF65-F5344CB8AC3E}">
-        <p14:creationId xmlns:p14="http://schemas.microsoft.com/office/powerpoint/2010/main" val="3032673494"/>
+        <p14:creationId xmlns:p14="http://schemas.microsoft.com/office/powerpoint/2010/main" xmlns="" val="3032673494"/>
       </p:ext>
     </p:extLst>
   </p:cSld>
   <p:clrMapOvr>
     <a:masterClrMapping/>
   </p:clrMapOvr>
+  <p:timing>
+    <p:tnLst>
+      <p:par>
+        <p:cTn id="1" dur="indefinite" restart="never" nodeType="tmRoot"/>
+      </p:par>
+    </p:tnLst>
+  </p:timing>
 </p:sld>
 </file>
 
@@ -9438,27 +9053,7 @@
                 <a:latin typeface="微軟正黑體" pitchFamily="34" charset="-120"/>
                 <a:ea typeface="微軟正黑體" pitchFamily="34" charset="-120"/>
               </a:rPr>
-              <a:t>願榮耀歸主  </a:t>
-            </a:r>
-            <a:r>
-              <a:rPr lang="zh-TW" altLang="en-US" sz="6400" b="1" dirty="0">
-                <a:solidFill>
-                  <a:srgbClr val="660033"/>
-                </a:solidFill>
-                <a:latin typeface="微軟正黑體" pitchFamily="34" charset="-120"/>
-                <a:ea typeface="微軟正黑體" pitchFamily="34" charset="-120"/>
-              </a:rPr>
-              <a:t> 高</a:t>
-            </a:r>
-            <a:r>
-              <a:rPr lang="zh-TW" altLang="en-US" sz="6400" b="1" dirty="0">
-                <a:solidFill>
-                  <a:srgbClr val="660033"/>
-                </a:solidFill>
-                <a:latin typeface="微軟正黑體" pitchFamily="34" charset="-120"/>
-                <a:ea typeface="微軟正黑體" pitchFamily="34" charset="-120"/>
-              </a:rPr>
-              <a:t>唱頌讚新歌</a:t>
+              <a:t>願榮耀歸主   高唱頌讚新歌</a:t>
             </a:r>
             <a:endParaRPr lang="en-US" altLang="zh-TW" sz="6400" b="1" dirty="0">
               <a:solidFill>
@@ -9480,27 +9075,7 @@
                 <a:latin typeface="微軟正黑體" pitchFamily="34" charset="-120"/>
                 <a:ea typeface="微軟正黑體" pitchFamily="34" charset="-120"/>
               </a:rPr>
-              <a:t>琴和應瑟奏鳴  </a:t>
-            </a:r>
-            <a:r>
-              <a:rPr lang="zh-TW" altLang="en-US" sz="6400" b="1" dirty="0">
-                <a:solidFill>
-                  <a:srgbClr val="660033"/>
-                </a:solidFill>
-                <a:latin typeface="微軟正黑體" pitchFamily="34" charset="-120"/>
-                <a:ea typeface="微軟正黑體" pitchFamily="34" charset="-120"/>
-              </a:rPr>
-              <a:t> 樂</a:t>
-            </a:r>
-            <a:r>
-              <a:rPr lang="zh-TW" altLang="en-US" sz="6400" b="1" dirty="0">
-                <a:solidFill>
-                  <a:srgbClr val="660033"/>
-                </a:solidFill>
-                <a:latin typeface="微軟正黑體" pitchFamily="34" charset="-120"/>
-                <a:ea typeface="微軟正黑體" pitchFamily="34" charset="-120"/>
-              </a:rPr>
-              <a:t>韻歌聲齊賀</a:t>
+              <a:t>琴和應瑟奏鳴   樂韻歌聲齊賀</a:t>
             </a:r>
           </a:p>
         </p:txBody>
@@ -9571,13 +9146,20 @@
     </p:spTree>
     <p:extLst>
       <p:ext uri="{BB962C8B-B14F-4D97-AF65-F5344CB8AC3E}">
-        <p14:creationId xmlns:p14="http://schemas.microsoft.com/office/powerpoint/2010/main" val="3070235373"/>
+        <p14:creationId xmlns:p14="http://schemas.microsoft.com/office/powerpoint/2010/main" xmlns="" val="3070235373"/>
       </p:ext>
     </p:extLst>
   </p:cSld>
   <p:clrMapOvr>
     <a:masterClrMapping/>
   </p:clrMapOvr>
+  <p:timing>
+    <p:tnLst>
+      <p:par>
+        <p:cTn id="1" dur="indefinite" restart="never" nodeType="tmRoot"/>
+      </p:par>
+    </p:tnLst>
+  </p:timing>
 </p:sld>
 </file>
 
@@ -9641,37 +9223,17 @@
                 <a:latin typeface="微軟正黑體" pitchFamily="34" charset="-120"/>
                 <a:ea typeface="微軟正黑體" pitchFamily="34" charset="-120"/>
               </a:rPr>
-              <a:t>  </a:t>
-            </a:r>
-            <a:r>
-              <a:rPr lang="en-US" altLang="zh-TW" sz="6400" b="1" dirty="0">
+              <a:t>   </a:t>
+            </a:r>
+            <a:r>
+              <a:rPr lang="zh-TW" altLang="en-US" sz="6400" b="1" dirty="0">
                 <a:solidFill>
                   <a:srgbClr val="660033"/>
                 </a:solidFill>
                 <a:latin typeface="微軟正黑體" pitchFamily="34" charset="-120"/>
                 <a:ea typeface="微軟正黑體" pitchFamily="34" charset="-120"/>
               </a:rPr>
-              <a:t> </a:t>
-            </a:r>
-            <a:r>
-              <a:rPr lang="zh-TW" altLang="en-US" sz="6400" b="1" dirty="0">
-                <a:solidFill>
-                  <a:srgbClr val="660033"/>
-                </a:solidFill>
-                <a:latin typeface="微軟正黑體" pitchFamily="34" charset="-120"/>
-                <a:ea typeface="微軟正黑體" pitchFamily="34" charset="-120"/>
-              </a:rPr>
-              <a:t>各</a:t>
-            </a:r>
-            <a:r>
-              <a:rPr lang="zh-TW" altLang="en-US" sz="6400" b="1" dirty="0">
-                <a:solidFill>
-                  <a:srgbClr val="660033"/>
-                </a:solidFill>
-                <a:latin typeface="微軟正黑體" pitchFamily="34" charset="-120"/>
-                <a:ea typeface="微軟正黑體" pitchFamily="34" charset="-120"/>
-              </a:rPr>
-              <a:t>邦一致頌揚</a:t>
+              <a:t>各邦一致頌揚</a:t>
             </a:r>
             <a:endParaRPr lang="en-US" altLang="zh-TW" sz="6400" b="1" dirty="0">
               <a:solidFill>
@@ -9693,27 +9255,7 @@
                 <a:latin typeface="微軟正黑體" pitchFamily="34" charset="-120"/>
                 <a:ea typeface="微軟正黑體" pitchFamily="34" charset="-120"/>
               </a:rPr>
-              <a:t>讓這歌盡獻主  </a:t>
-            </a:r>
-            <a:r>
-              <a:rPr lang="zh-TW" altLang="en-US" sz="6400" b="1" dirty="0">
-                <a:solidFill>
-                  <a:srgbClr val="660033"/>
-                </a:solidFill>
-                <a:latin typeface="微軟正黑體" pitchFamily="34" charset="-120"/>
-                <a:ea typeface="微軟正黑體" pitchFamily="34" charset="-120"/>
-              </a:rPr>
-              <a:t> 榮</a:t>
-            </a:r>
-            <a:r>
-              <a:rPr lang="zh-TW" altLang="en-US" sz="6400" b="1" dirty="0">
-                <a:solidFill>
-                  <a:srgbClr val="660033"/>
-                </a:solidFill>
-                <a:latin typeface="微軟正黑體" pitchFamily="34" charset="-120"/>
-                <a:ea typeface="微軟正黑體" pitchFamily="34" charset="-120"/>
-              </a:rPr>
-              <a:t>光高照諸天</a:t>
+              <a:t>讓這歌盡獻主   榮光高照諸天</a:t>
             </a:r>
             <a:endParaRPr lang="en-US" altLang="zh-TW" sz="6400" b="1" dirty="0">
               <a:solidFill>
@@ -9776,17 +9318,7 @@
                 <a:latin typeface="Microsoft JhengHei" panose="020B0604030504040204" pitchFamily="34" charset="-120"/>
                 <a:ea typeface="Microsoft JhengHei" panose="020B0604030504040204" pitchFamily="34" charset="-120"/>
               </a:rPr>
-              <a:t> </a:t>
-            </a:r>
-            <a:r>
-              <a:rPr lang="en-US" sz="3733" b="1" dirty="0">
-                <a:solidFill>
-                  <a:srgbClr val="660033"/>
-                </a:solidFill>
-                <a:latin typeface="Microsoft JhengHei" panose="020B0604030504040204" pitchFamily="34" charset="-120"/>
-                <a:ea typeface="Microsoft JhengHei" panose="020B0604030504040204" pitchFamily="34" charset="-120"/>
-              </a:rPr>
-              <a:t>)</a:t>
+              <a:t> )</a:t>
             </a:r>
             <a:endParaRPr lang="vi-VN" sz="3733" b="1" dirty="0">
               <a:solidFill>
@@ -9801,13 +9333,20 @@
     </p:spTree>
     <p:extLst>
       <p:ext uri="{BB962C8B-B14F-4D97-AF65-F5344CB8AC3E}">
-        <p14:creationId xmlns:p14="http://schemas.microsoft.com/office/powerpoint/2010/main" val="2376993243"/>
+        <p14:creationId xmlns:p14="http://schemas.microsoft.com/office/powerpoint/2010/main" xmlns="" val="2376993243"/>
       </p:ext>
     </p:extLst>
   </p:cSld>
   <p:clrMapOvr>
     <a:masterClrMapping/>
   </p:clrMapOvr>
+  <p:timing>
+    <p:tnLst>
+      <p:par>
+        <p:cTn id="1" dur="indefinite" restart="never" nodeType="tmRoot"/>
+      </p:par>
+    </p:tnLst>
+  </p:timing>
 </p:sld>
 </file>
 
@@ -10093,7 +9632,7 @@
   <a:extraClrSchemeLst/>
   <a:extLst>
     <a:ext uri="{05A4C25C-085E-4340-85A3-A5531E510DB2}">
-      <thm15:themeFamily xmlns:thm15="http://schemas.microsoft.com/office/thememl/2012/main" name="Theme1" id="{BEAD16CA-F0F9-4ED4-89A2-DF8EA5A21F5D}" vid="{8DB4B75A-1307-42FF-9209-D1FA5BD605B3}"/>
+      <thm15:themeFamily xmlns:thm15="http://schemas.microsoft.com/office/thememl/2012/main" xmlns="" name="Theme1" id="{BEAD16CA-F0F9-4ED4-89A2-DF8EA5A21F5D}" vid="{8DB4B75A-1307-42FF-9209-D1FA5BD605B3}"/>
     </a:ext>
   </a:extLst>
 </a:theme>
